--- a/Охрана квартир.pptx
+++ b/Охрана квартир.pptx
@@ -5,10 +5,10 @@
     <p:sldMasterId id="2147483744" r:id="rId4"/>
   </p:sldMasterIdLst>
   <p:notesMasterIdLst>
-    <p:notesMasterId r:id="rId17"/>
+    <p:notesMasterId r:id="rId23"/>
   </p:notesMasterIdLst>
   <p:handoutMasterIdLst>
-    <p:handoutMasterId r:id="rId18"/>
+    <p:handoutMasterId r:id="rId24"/>
   </p:handoutMasterIdLst>
   <p:sldIdLst>
     <p:sldId id="256" r:id="rId5"/>
@@ -20,15 +20,21 @@
     <p:sldId id="281" r:id="rId11"/>
     <p:sldId id="282" r:id="rId12"/>
     <p:sldId id="283" r:id="rId13"/>
-    <p:sldId id="284" r:id="rId14"/>
-    <p:sldId id="285" r:id="rId15"/>
-    <p:sldId id="276" r:id="rId16"/>
+    <p:sldId id="290" r:id="rId14"/>
+    <p:sldId id="291" r:id="rId15"/>
+    <p:sldId id="284" r:id="rId16"/>
+    <p:sldId id="286" r:id="rId17"/>
+    <p:sldId id="287" r:id="rId18"/>
+    <p:sldId id="288" r:id="rId19"/>
+    <p:sldId id="289" r:id="rId20"/>
+    <p:sldId id="285" r:id="rId21"/>
+    <p:sldId id="276" r:id="rId22"/>
   </p:sldIdLst>
   <p:sldSz cx="12192000" cy="6858000"/>
   <p:notesSz cx="6858000" cy="9144000"/>
   <p:defaultTextStyle>
     <a:defPPr rtl="0">
-      <a:defRPr lang="ru-ru"/>
+      <a:defRPr lang="ru-RU"/>
     </a:defPPr>
     <a:lvl1pPr marL="0" algn="l" defTabSz="457200" rtl="0" eaLnBrk="1" latinLnBrk="0" hangingPunct="1">
       <a:defRPr sz="1800" kern="1200">
@@ -123,7 +129,7 @@
   </p:defaultTextStyle>
   <p:extLst>
     <p:ext uri="{EFAFB233-063F-42B5-8137-9DF3F51BA10A}">
-      <p15:sldGuideLst xmlns:p15="http://schemas.microsoft.com/office/powerpoint/2012/main">
+      <p15:sldGuideLst xmlns:p15="http://schemas.microsoft.com/office/powerpoint/2012/main" xmlns="">
         <p15:guide id="1" orient="horz" pos="2160" userDrawn="1">
           <p15:clr>
             <a:srgbClr val="A4A3A4"/>
@@ -137,7 +143,7 @@
       </p15:sldGuideLst>
     </p:ext>
     <p:ext uri="{2D200454-40CA-4A62-9FC3-DE9A4176ACB9}">
-      <p15:notesGuideLst xmlns:p15="http://schemas.microsoft.com/office/powerpoint/2012/main"/>
+      <p15:notesGuideLst xmlns:p15="http://schemas.microsoft.com/office/powerpoint/2012/main" xmlns=""/>
     </p:ext>
   </p:extLst>
 </p:presentation>
@@ -664,7 +670,7 @@
           <p:cNvPr id="2" name="Верхний колонтитул 1">
             <a:extLst>
               <a:ext uri="{FF2B5EF4-FFF2-40B4-BE49-F238E27FC236}">
-                <a16:creationId xmlns:a16="http://schemas.microsoft.com/office/drawing/2014/main" id="{737F2D40-DF92-4ADE-A761-CBF896599CA3}"/>
+                <a16:creationId xmlns:a16="http://schemas.microsoft.com/office/drawing/2014/main" xmlns="" id="{737F2D40-DF92-4ADE-A761-CBF896599CA3}"/>
               </a:ext>
             </a:extLst>
           </p:cNvPr>
@@ -702,7 +708,7 @@
           <p:cNvPr id="3" name="Дата 2">
             <a:extLst>
               <a:ext uri="{FF2B5EF4-FFF2-40B4-BE49-F238E27FC236}">
-                <a16:creationId xmlns:a16="http://schemas.microsoft.com/office/drawing/2014/main" id="{874F42E9-55BA-437C-85B3-324B4E2BF264}"/>
+                <a16:creationId xmlns:a16="http://schemas.microsoft.com/office/drawing/2014/main" xmlns="" id="{874F42E9-55BA-437C-85B3-324B4E2BF264}"/>
               </a:ext>
             </a:extLst>
           </p:cNvPr>
@@ -744,7 +750,7 @@
           <p:cNvPr id="4" name="Нижний колонтитул 3">
             <a:extLst>
               <a:ext uri="{FF2B5EF4-FFF2-40B4-BE49-F238E27FC236}">
-                <a16:creationId xmlns:a16="http://schemas.microsoft.com/office/drawing/2014/main" id="{407DF0FD-84A5-462F-A0AC-B2CEF6020C45}"/>
+                <a16:creationId xmlns:a16="http://schemas.microsoft.com/office/drawing/2014/main" xmlns="" id="{407DF0FD-84A5-462F-A0AC-B2CEF6020C45}"/>
               </a:ext>
             </a:extLst>
           </p:cNvPr>
@@ -782,7 +788,7 @@
           <p:cNvPr id="5" name="Номер слайда 4">
             <a:extLst>
               <a:ext uri="{FF2B5EF4-FFF2-40B4-BE49-F238E27FC236}">
-                <a16:creationId xmlns:a16="http://schemas.microsoft.com/office/drawing/2014/main" id="{5D85C710-014C-4C89-9B64-843B9863CEBF}"/>
+                <a16:creationId xmlns:a16="http://schemas.microsoft.com/office/drawing/2014/main" xmlns="" id="{5D85C710-014C-4C89-9B64-843B9863CEBF}"/>
               </a:ext>
             </a:extLst>
           </p:cNvPr>
@@ -1339,7 +1345,7 @@
             <a:pPr rtl="0"/>
             <a:fld id="{F3544625-0ADF-4414-89A2-9E135F0C849F}" type="slidenum">
               <a:rPr lang="ru-RU" smtClean="0"/>
-              <a:t>12</a:t>
+              <a:t>18</a:t>
             </a:fld>
             <a:endParaRPr lang="ru-RU"/>
           </a:p>
@@ -7112,7 +7118,7 @@
   </p:txStyles>
   <p:extLst>
     <p:ext uri="{27BBF7A9-308A-43DC-89C8-2F10F3537804}">
-      <p15:sldGuideLst xmlns:p15="http://schemas.microsoft.com/office/powerpoint/2012/main"/>
+      <p15:sldGuideLst xmlns:p15="http://schemas.microsoft.com/office/powerpoint/2012/main" xmlns=""/>
     </p:ext>
   </p:extLst>
 </p:sldMaster>
@@ -7140,7 +7146,7 @@
           <p:cNvPr id="2" name="Заголовок 1">
             <a:extLst>
               <a:ext uri="{FF2B5EF4-FFF2-40B4-BE49-F238E27FC236}">
-                <a16:creationId xmlns:a16="http://schemas.microsoft.com/office/drawing/2014/main" id="{340C7600-5BA8-4A54-887F-74AF87750A31}"/>
+                <a16:creationId xmlns:a16="http://schemas.microsoft.com/office/drawing/2014/main" xmlns="" id="{340C7600-5BA8-4A54-887F-74AF87750A31}"/>
               </a:ext>
             </a:extLst>
           </p:cNvPr>
@@ -7159,11 +7165,11 @@
         </p:spPr>
         <p:txBody>
           <a:bodyPr rtlCol="0" anchor="ctr">
-            <a:normAutofit/>
+            <a:noAutofit/>
           </a:bodyPr>
           <a:lstStyle/>
           <a:p>
-            <a:pPr algn="ctr" rtl="0"/>
+            <a:pPr algn="ctr"/>
             <a:r>
               <a:rPr lang="ru-RU" sz="2800" dirty="0">
                 <a:latin typeface="Arial" pitchFamily="34" charset="0"/>
@@ -7196,9 +7202,32 @@
                 <a:latin typeface="Arial" pitchFamily="34" charset="0"/>
                 <a:cs typeface="Arial" pitchFamily="34" charset="0"/>
               </a:rPr>
-              <a:t>1) разработка программных модулей</a:t>
-            </a:r>
-            <a:endParaRPr lang="ru-RU" sz="2800" b="1" noProof="1"/>
+              <a:t>1) разработка модулей</a:t>
+            </a:r>
+            <a:r>
+              <a:rPr lang="ru-RU" sz="2800" b="1" noProof="1">
+                <a:latin typeface="Arial" panose="020B0604020202020204" pitchFamily="34" charset="0"/>
+                <a:cs typeface="Arial" panose="020B0604020202020204" pitchFamily="34" charset="0"/>
+              </a:rPr>
+              <a:t/>
+            </a:r>
+            <a:br>
+              <a:rPr lang="ru-RU" sz="2800" b="1" noProof="1">
+                <a:latin typeface="Arial" panose="020B0604020202020204" pitchFamily="34" charset="0"/>
+                <a:cs typeface="Arial" panose="020B0604020202020204" pitchFamily="34" charset="0"/>
+              </a:rPr>
+            </a:br>
+            <a:r>
+              <a:rPr lang="ru-RU" sz="2800" dirty="0" smtClean="0">
+                <a:latin typeface="Arial" pitchFamily="34" charset="0"/>
+                <a:cs typeface="Arial" pitchFamily="34" charset="0"/>
+              </a:rPr>
+              <a:t>программного обеспечения для компьютерных систем</a:t>
+            </a:r>
+            <a:endParaRPr lang="ru-RU" sz="2800" b="1" noProof="1">
+              <a:latin typeface="Arial" panose="020B0604020202020204" pitchFamily="34" charset="0"/>
+              <a:cs typeface="Arial" panose="020B0604020202020204" pitchFamily="34" charset="0"/>
+            </a:endParaRPr>
           </a:p>
         </p:txBody>
       </p:sp>
@@ -7207,7 +7236,7 @@
           <p:cNvPr id="3" name="Подзаголовок 2">
             <a:extLst>
               <a:ext uri="{FF2B5EF4-FFF2-40B4-BE49-F238E27FC236}">
-                <a16:creationId xmlns:a16="http://schemas.microsoft.com/office/drawing/2014/main" id="{AE584786-6548-4BB4-95FD-977AD1F362C6}"/>
+                <a16:creationId xmlns:a16="http://schemas.microsoft.com/office/drawing/2014/main" xmlns="" id="{AE584786-6548-4BB4-95FD-977AD1F362C6}"/>
               </a:ext>
             </a:extLst>
           </p:cNvPr>
@@ -7246,7 +7275,21 @@
                 <a:latin typeface="Arial" pitchFamily="34" charset="0"/>
                 <a:cs typeface="Arial" pitchFamily="34" charset="0"/>
               </a:rPr>
-              <a:t>Обучающегося 2 курса группы ИСПП-5</a:t>
+              <a:t>Обучающегося </a:t>
+            </a:r>
+            <a:r>
+              <a:rPr lang="ru-RU" sz="1200" dirty="0" smtClean="0">
+                <a:latin typeface="Arial" pitchFamily="34" charset="0"/>
+                <a:cs typeface="Arial" pitchFamily="34" charset="0"/>
+              </a:rPr>
+              <a:t>3 </a:t>
+            </a:r>
+            <a:r>
+              <a:rPr lang="ru-RU" sz="1200" dirty="0">
+                <a:latin typeface="Arial" pitchFamily="34" charset="0"/>
+                <a:cs typeface="Arial" pitchFamily="34" charset="0"/>
+              </a:rPr>
+              <a:t>курса группы ИСПП-5</a:t>
             </a:r>
           </a:p>
         </p:txBody>
@@ -7256,7 +7299,7 @@
           <p:cNvPr id="4" name="TextBox 3">
             <a:extLst>
               <a:ext uri="{FF2B5EF4-FFF2-40B4-BE49-F238E27FC236}">
-                <a16:creationId xmlns:a16="http://schemas.microsoft.com/office/drawing/2014/main" id="{207C03AD-1883-DA41-411C-B2065630D170}"/>
+                <a16:creationId xmlns:a16="http://schemas.microsoft.com/office/drawing/2014/main" xmlns="" id="{207C03AD-1883-DA41-411C-B2065630D170}"/>
               </a:ext>
             </a:extLst>
           </p:cNvPr>
@@ -7335,7 +7378,7 @@
           <p:cNvPr id="6" name="TextBox 5">
             <a:extLst>
               <a:ext uri="{FF2B5EF4-FFF2-40B4-BE49-F238E27FC236}">
-                <a16:creationId xmlns:a16="http://schemas.microsoft.com/office/drawing/2014/main" id="{7DE824F7-B6E1-7481-5717-C82756DCB3B6}"/>
+                <a16:creationId xmlns:a16="http://schemas.microsoft.com/office/drawing/2014/main" xmlns="" id="{7DE824F7-B6E1-7481-5717-C82756DCB3B6}"/>
               </a:ext>
             </a:extLst>
           </p:cNvPr>
@@ -7398,7 +7441,7 @@
           <p:cNvPr id="7" name="Прямая соединительная линия 6">
             <a:extLst>
               <a:ext uri="{FF2B5EF4-FFF2-40B4-BE49-F238E27FC236}">
-                <a16:creationId xmlns:a16="http://schemas.microsoft.com/office/drawing/2014/main" id="{C6A4B200-DA4E-FEFD-BD3D-024C39216D4C}"/>
+                <a16:creationId xmlns:a16="http://schemas.microsoft.com/office/drawing/2014/main" xmlns="" id="{C6A4B200-DA4E-FEFD-BD3D-024C39216D4C}"/>
               </a:ext>
             </a:extLst>
           </p:cNvPr>
@@ -7443,7 +7486,7 @@
           <p:cNvPr id="8" name="TextBox 7">
             <a:extLst>
               <a:ext uri="{FF2B5EF4-FFF2-40B4-BE49-F238E27FC236}">
-                <a16:creationId xmlns:a16="http://schemas.microsoft.com/office/drawing/2014/main" id="{B5965E5F-B822-8170-1C69-73CC3C5F54CD}"/>
+                <a16:creationId xmlns:a16="http://schemas.microsoft.com/office/drawing/2014/main" xmlns="" id="{B5965E5F-B822-8170-1C69-73CC3C5F54CD}"/>
               </a:ext>
             </a:extLst>
           </p:cNvPr>
@@ -7491,7 +7534,7 @@
           <p:cNvPr id="9" name="Прямая соединительная линия 8">
             <a:extLst>
               <a:ext uri="{FF2B5EF4-FFF2-40B4-BE49-F238E27FC236}">
-                <a16:creationId xmlns:a16="http://schemas.microsoft.com/office/drawing/2014/main" id="{8B7F9FAC-8E0D-0012-FD2A-29E9D255B9BB}"/>
+                <a16:creationId xmlns:a16="http://schemas.microsoft.com/office/drawing/2014/main" xmlns="" id="{8B7F9FAC-8E0D-0012-FD2A-29E9D255B9BB}"/>
               </a:ext>
             </a:extLst>
           </p:cNvPr>
@@ -7535,7 +7578,7 @@
           <p:cNvPr id="10" name="TextBox 9">
             <a:extLst>
               <a:ext uri="{FF2B5EF4-FFF2-40B4-BE49-F238E27FC236}">
-                <a16:creationId xmlns:a16="http://schemas.microsoft.com/office/drawing/2014/main" id="{A9616239-FE9E-40C1-004A-234C8CB8698C}"/>
+                <a16:creationId xmlns:a16="http://schemas.microsoft.com/office/drawing/2014/main" xmlns="" id="{A9616239-FE9E-40C1-004A-234C8CB8698C}"/>
               </a:ext>
             </a:extLst>
           </p:cNvPr>
@@ -7544,7 +7587,7 @@
         </p:nvSpPr>
         <p:spPr>
           <a:xfrm>
-            <a:off x="5186007" y="6371437"/>
+            <a:off x="5186007" y="6383263"/>
             <a:ext cx="1809854" cy="400110"/>
           </a:xfrm>
           <a:prstGeom prst="rect">
@@ -7604,13 +7647,7 @@
       </p:grpSpPr>
       <p:sp>
         <p:nvSpPr>
-          <p:cNvPr id="2" name="Заголовок 1">
-            <a:extLst>
-              <a:ext uri="{FF2B5EF4-FFF2-40B4-BE49-F238E27FC236}">
-                <a16:creationId xmlns:a16="http://schemas.microsoft.com/office/drawing/2014/main" id="{1A2DC76E-2E87-875E-2A88-A5A945162E99}"/>
-              </a:ext>
-            </a:extLst>
-          </p:cNvPr>
+          <p:cNvPr id="2" name="Заголовок 1"/>
           <p:cNvSpPr>
             <a:spLocks noGrp="1"/>
           </p:cNvSpPr>
@@ -7618,7 +7655,12 @@
             <p:ph type="title"/>
           </p:nvPr>
         </p:nvSpPr>
-        <p:spPr/>
+        <p:spPr>
+          <a:xfrm>
+            <a:off x="685801" y="362466"/>
+            <a:ext cx="10131425" cy="815546"/>
+          </a:xfrm>
+        </p:spPr>
         <p:txBody>
           <a:bodyPr/>
           <a:lstStyle/>
@@ -7628,40 +7670,472 @@
                 <a:latin typeface="Arial" panose="020B0604020202020204" pitchFamily="34" charset="0"/>
                 <a:cs typeface="Arial" panose="020B0604020202020204" pitchFamily="34" charset="0"/>
               </a:rPr>
-              <a:t>Клиентская часть</a:t>
-            </a:r>
-          </a:p>
-        </p:txBody>
-      </p:sp>
-      <p:sp>
-        <p:nvSpPr>
-          <p:cNvPr id="3" name="Объект 2">
+              <a:t>Создание Серверной части</a:t>
+            </a:r>
+            <a:endParaRPr lang="ru-RU" dirty="0"/>
+          </a:p>
+        </p:txBody>
+      </p:sp>
+      <p:pic>
+        <p:nvPicPr>
+          <p:cNvPr id="5" name="Picture 6"/>
+          <p:cNvPicPr>
+            <a:picLocks noChangeAspect="1" noChangeArrowheads="1"/>
+          </p:cNvPicPr>
+          <p:nvPr/>
+        </p:nvPicPr>
+        <p:blipFill>
+          <a:blip r:embed="rId2">
             <a:extLst>
-              <a:ext uri="{FF2B5EF4-FFF2-40B4-BE49-F238E27FC236}">
-                <a16:creationId xmlns:a16="http://schemas.microsoft.com/office/drawing/2014/main" id="{BB419417-627E-CF81-388B-A501DB2D0E2F}"/>
+              <a:ext uri="{28A0092B-C50C-407E-A947-70E740481C1C}">
+                <a14:useLocalDpi xmlns:a14="http://schemas.microsoft.com/office/drawing/2010/main" val="0"/>
               </a:ext>
             </a:extLst>
-          </p:cNvPr>
-          <p:cNvSpPr>
-            <a:spLocks noGrp="1"/>
-          </p:cNvSpPr>
-          <p:nvPr>
-            <p:ph idx="1"/>
-          </p:nvPr>
-        </p:nvSpPr>
-        <p:spPr/>
-        <p:txBody>
-          <a:bodyPr/>
+          </a:blip>
+          <a:srcRect/>
+          <a:stretch>
+            <a:fillRect/>
+          </a:stretch>
+        </p:blipFill>
+        <p:spPr bwMode="auto">
+          <a:xfrm>
+            <a:off x="685801" y="3961457"/>
+            <a:ext cx="2833465" cy="1599084"/>
+          </a:xfrm>
+          <a:prstGeom prst="rect">
+            <a:avLst/>
+          </a:prstGeom>
+          <a:noFill/>
+          <a:ln>
+            <a:noFill/>
+          </a:ln>
+          <a:effectLst/>
+          <a:extLst>
+            <a:ext uri="{909E8E84-426E-40DD-AFC4-6F175D3DCCD1}">
+              <a14:hiddenFill xmlns:a14="http://schemas.microsoft.com/office/drawing/2010/main">
+                <a:solidFill>
+                  <a:schemeClr val="accent1"/>
+                </a:solidFill>
+              </a14:hiddenFill>
+            </a:ext>
+            <a:ext uri="{91240B29-F687-4F45-9708-019B960494DF}">
+              <a14:hiddenLine xmlns:a14="http://schemas.microsoft.com/office/drawing/2010/main" w="9525">
+                <a:solidFill>
+                  <a:schemeClr val="tx1"/>
+                </a:solidFill>
+                <a:miter lim="800000"/>
+                <a:headEnd/>
+                <a:tailEnd/>
+              </a14:hiddenLine>
+            </a:ext>
+            <a:ext uri="{AF507438-7753-43E0-B8FC-AC1667EBCBE1}">
+              <a14:hiddenEffects xmlns:a14="http://schemas.microsoft.com/office/drawing/2010/main">
+                <a:effectLst>
+                  <a:outerShdw dist="35921" dir="2700000" algn="ctr" rotWithShape="0">
+                    <a:schemeClr val="bg2"/>
+                  </a:outerShdw>
+                </a:effectLst>
+              </a14:hiddenEffects>
+            </a:ext>
+          </a:extLst>
+        </p:spPr>
+      </p:pic>
+      <p:pic>
+        <p:nvPicPr>
+          <p:cNvPr id="6" name="Picture 7"/>
+          <p:cNvPicPr>
+            <a:picLocks noChangeAspect="1" noChangeArrowheads="1"/>
+          </p:cNvPicPr>
+          <p:nvPr/>
+        </p:nvPicPr>
+        <p:blipFill>
+          <a:blip r:embed="rId3">
+            <a:extLst>
+              <a:ext uri="{28A0092B-C50C-407E-A947-70E740481C1C}">
+                <a14:useLocalDpi xmlns:a14="http://schemas.microsoft.com/office/drawing/2010/main" val="0"/>
+              </a:ext>
+            </a:extLst>
+          </a:blip>
+          <a:srcRect/>
+          <a:stretch>
+            <a:fillRect/>
+          </a:stretch>
+        </p:blipFill>
+        <p:spPr bwMode="auto">
+          <a:xfrm>
+            <a:off x="7327815" y="1510655"/>
+            <a:ext cx="3158954" cy="1652601"/>
+          </a:xfrm>
+          <a:prstGeom prst="rect">
+            <a:avLst/>
+          </a:prstGeom>
+          <a:noFill/>
+          <a:ln>
+            <a:noFill/>
+          </a:ln>
+          <a:effectLst/>
+          <a:extLst>
+            <a:ext uri="{909E8E84-426E-40DD-AFC4-6F175D3DCCD1}">
+              <a14:hiddenFill xmlns:a14="http://schemas.microsoft.com/office/drawing/2010/main">
+                <a:solidFill>
+                  <a:schemeClr val="accent1"/>
+                </a:solidFill>
+              </a14:hiddenFill>
+            </a:ext>
+            <a:ext uri="{91240B29-F687-4F45-9708-019B960494DF}">
+              <a14:hiddenLine xmlns:a14="http://schemas.microsoft.com/office/drawing/2010/main" w="9525">
+                <a:solidFill>
+                  <a:schemeClr val="tx1"/>
+                </a:solidFill>
+                <a:miter lim="800000"/>
+                <a:headEnd/>
+                <a:tailEnd/>
+              </a14:hiddenLine>
+            </a:ext>
+            <a:ext uri="{AF507438-7753-43E0-B8FC-AC1667EBCBE1}">
+              <a14:hiddenEffects xmlns:a14="http://schemas.microsoft.com/office/drawing/2010/main">
+                <a:effectLst>
+                  <a:outerShdw dist="35921" dir="2700000" algn="ctr" rotWithShape="0">
+                    <a:schemeClr val="bg2"/>
+                  </a:outerShdw>
+                </a:effectLst>
+              </a14:hiddenEffects>
+            </a:ext>
+          </a:extLst>
+        </p:spPr>
+      </p:pic>
+      <p:pic>
+        <p:nvPicPr>
+          <p:cNvPr id="7" name="Picture 9"/>
+          <p:cNvPicPr>
+            <a:picLocks noChangeAspect="1" noChangeArrowheads="1"/>
+          </p:cNvPicPr>
+          <p:nvPr/>
+        </p:nvPicPr>
+        <p:blipFill>
+          <a:blip r:embed="rId4">
+            <a:extLst>
+              <a:ext uri="{28A0092B-C50C-407E-A947-70E740481C1C}">
+                <a14:useLocalDpi xmlns:a14="http://schemas.microsoft.com/office/drawing/2010/main" val="0"/>
+              </a:ext>
+            </a:extLst>
+          </a:blip>
+          <a:srcRect/>
+          <a:stretch>
+            <a:fillRect/>
+          </a:stretch>
+        </p:blipFill>
+        <p:spPr bwMode="auto">
+          <a:xfrm>
+            <a:off x="685801" y="1510655"/>
+            <a:ext cx="5196734" cy="1603248"/>
+          </a:xfrm>
+          <a:prstGeom prst="rect">
+            <a:avLst/>
+          </a:prstGeom>
+          <a:noFill/>
+          <a:ln>
+            <a:noFill/>
+          </a:ln>
+          <a:effectLst/>
+          <a:extLst>
+            <a:ext uri="{909E8E84-426E-40DD-AFC4-6F175D3DCCD1}">
+              <a14:hiddenFill xmlns:a14="http://schemas.microsoft.com/office/drawing/2010/main">
+                <a:solidFill>
+                  <a:schemeClr val="accent1"/>
+                </a:solidFill>
+              </a14:hiddenFill>
+            </a:ext>
+            <a:ext uri="{91240B29-F687-4F45-9708-019B960494DF}">
+              <a14:hiddenLine xmlns:a14="http://schemas.microsoft.com/office/drawing/2010/main" w="9525">
+                <a:solidFill>
+                  <a:schemeClr val="tx1"/>
+                </a:solidFill>
+                <a:miter lim="800000"/>
+                <a:headEnd/>
+                <a:tailEnd/>
+              </a14:hiddenLine>
+            </a:ext>
+            <a:ext uri="{AF507438-7753-43E0-B8FC-AC1667EBCBE1}">
+              <a14:hiddenEffects xmlns:a14="http://schemas.microsoft.com/office/drawing/2010/main">
+                <a:effectLst>
+                  <a:outerShdw dist="35921" dir="2700000" algn="ctr" rotWithShape="0">
+                    <a:schemeClr val="bg2"/>
+                  </a:outerShdw>
+                </a:effectLst>
+              </a14:hiddenEffects>
+            </a:ext>
+          </a:extLst>
+        </p:spPr>
+      </p:pic>
+      <p:pic>
+        <p:nvPicPr>
+          <p:cNvPr id="8" name="Picture 4"/>
+          <p:cNvPicPr>
+            <a:picLocks noChangeAspect="1" noChangeArrowheads="1"/>
+          </p:cNvPicPr>
+          <p:nvPr/>
+        </p:nvPicPr>
+        <p:blipFill>
+          <a:blip r:embed="rId5">
+            <a:extLst>
+              <a:ext uri="{28A0092B-C50C-407E-A947-70E740481C1C}">
+                <a14:useLocalDpi xmlns:a14="http://schemas.microsoft.com/office/drawing/2010/main" val="0"/>
+              </a:ext>
+            </a:extLst>
+          </a:blip>
+          <a:srcRect/>
+          <a:stretch>
+            <a:fillRect/>
+          </a:stretch>
+        </p:blipFill>
+        <p:spPr bwMode="auto">
+          <a:xfrm>
+            <a:off x="5410490" y="4013330"/>
+            <a:ext cx="5076279" cy="1495338"/>
+          </a:xfrm>
+          <a:prstGeom prst="rect">
+            <a:avLst/>
+          </a:prstGeom>
+          <a:noFill/>
+          <a:ln>
+            <a:noFill/>
+          </a:ln>
+          <a:effectLst/>
+          <a:extLst>
+            <a:ext uri="{909E8E84-426E-40DD-AFC4-6F175D3DCCD1}">
+              <a14:hiddenFill xmlns:a14="http://schemas.microsoft.com/office/drawing/2010/main">
+                <a:solidFill>
+                  <a:schemeClr val="accent1"/>
+                </a:solidFill>
+              </a14:hiddenFill>
+            </a:ext>
+            <a:ext uri="{91240B29-F687-4F45-9708-019B960494DF}">
+              <a14:hiddenLine xmlns:a14="http://schemas.microsoft.com/office/drawing/2010/main" w="9525">
+                <a:solidFill>
+                  <a:schemeClr val="tx1"/>
+                </a:solidFill>
+                <a:miter lim="800000"/>
+                <a:headEnd/>
+                <a:tailEnd/>
+              </a14:hiddenLine>
+            </a:ext>
+            <a:ext uri="{AF507438-7753-43E0-B8FC-AC1667EBCBE1}">
+              <a14:hiddenEffects xmlns:a14="http://schemas.microsoft.com/office/drawing/2010/main">
+                <a:effectLst>
+                  <a:outerShdw dist="35921" dir="2700000" algn="ctr" rotWithShape="0">
+                    <a:schemeClr val="bg2"/>
+                  </a:outerShdw>
+                </a:effectLst>
+              </a14:hiddenEffects>
+            </a:ext>
+          </a:extLst>
+        </p:spPr>
+      </p:pic>
+      <p:sp>
+        <p:nvSpPr>
+          <p:cNvPr id="9" name="TextBox 8"/>
+          <p:cNvSpPr txBox="1"/>
+          <p:nvPr/>
+        </p:nvSpPr>
+        <p:spPr>
+          <a:xfrm>
+            <a:off x="1980980" y="3163256"/>
+            <a:ext cx="3118241" cy="461665"/>
+          </a:xfrm>
+          <a:prstGeom prst="rect">
+            <a:avLst/>
+          </a:prstGeom>
+          <a:noFill/>
+        </p:spPr>
+        <p:txBody>
+          <a:bodyPr wrap="square" rtlCol="0">
+            <a:spAutoFit/>
+          </a:bodyPr>
           <a:lstStyle/>
           <a:p>
-            <a:endParaRPr lang="ru-RU"/>
+            <a:r>
+              <a:rPr lang="ru-RU" sz="2400" dirty="0" smtClean="0">
+                <a:latin typeface="Arial" panose="020B0604020202020204" pitchFamily="34" charset="0"/>
+                <a:cs typeface="Arial" panose="020B0604020202020204" pitchFamily="34" charset="0"/>
+              </a:rPr>
+              <a:t>Таблица «</a:t>
+            </a:r>
+            <a:r>
+              <a:rPr lang="en-US" sz="2400" dirty="0" smtClean="0">
+                <a:latin typeface="Arial" panose="020B0604020202020204" pitchFamily="34" charset="0"/>
+                <a:cs typeface="Arial" panose="020B0604020202020204" pitchFamily="34" charset="0"/>
+              </a:rPr>
+              <a:t>Contract</a:t>
+            </a:r>
+            <a:r>
+              <a:rPr lang="ru-RU" sz="2400" dirty="0" smtClean="0">
+                <a:latin typeface="Arial" panose="020B0604020202020204" pitchFamily="34" charset="0"/>
+                <a:cs typeface="Arial" panose="020B0604020202020204" pitchFamily="34" charset="0"/>
+              </a:rPr>
+              <a:t>»</a:t>
+            </a:r>
+            <a:endParaRPr lang="ru-RU" sz="2400" dirty="0">
+              <a:latin typeface="Arial" panose="020B0604020202020204" pitchFamily="34" charset="0"/>
+              <a:cs typeface="Arial" panose="020B0604020202020204" pitchFamily="34" charset="0"/>
+            </a:endParaRPr>
+          </a:p>
+        </p:txBody>
+      </p:sp>
+      <p:sp>
+        <p:nvSpPr>
+          <p:cNvPr id="10" name="TextBox 9"/>
+          <p:cNvSpPr txBox="1"/>
+          <p:nvPr/>
+        </p:nvSpPr>
+        <p:spPr>
+          <a:xfrm>
+            <a:off x="7227063" y="3240896"/>
+            <a:ext cx="3360457" cy="461665"/>
+          </a:xfrm>
+          <a:prstGeom prst="rect">
+            <a:avLst/>
+          </a:prstGeom>
+          <a:noFill/>
+        </p:spPr>
+        <p:txBody>
+          <a:bodyPr wrap="square" rtlCol="0">
+            <a:spAutoFit/>
+          </a:bodyPr>
+          <a:lstStyle/>
+          <a:p>
+            <a:r>
+              <a:rPr lang="ru-RU" sz="2400" dirty="0" smtClean="0">
+                <a:latin typeface="Arial" panose="020B0604020202020204" pitchFamily="34" charset="0"/>
+                <a:cs typeface="Arial" panose="020B0604020202020204" pitchFamily="34" charset="0"/>
+              </a:rPr>
+              <a:t>Таблица «</a:t>
+            </a:r>
+            <a:r>
+              <a:rPr lang="en-US" sz="2400" dirty="0" smtClean="0">
+                <a:latin typeface="Arial" panose="020B0604020202020204" pitchFamily="34" charset="0"/>
+                <a:cs typeface="Arial" panose="020B0604020202020204" pitchFamily="34" charset="0"/>
+              </a:rPr>
+              <a:t>Flat-House</a:t>
+            </a:r>
+            <a:r>
+              <a:rPr lang="ru-RU" sz="2400" dirty="0" smtClean="0">
+                <a:latin typeface="Arial" panose="020B0604020202020204" pitchFamily="34" charset="0"/>
+                <a:cs typeface="Arial" panose="020B0604020202020204" pitchFamily="34" charset="0"/>
+              </a:rPr>
+              <a:t>»</a:t>
+            </a:r>
+            <a:endParaRPr lang="ru-RU" sz="2400" dirty="0">
+              <a:latin typeface="Arial" panose="020B0604020202020204" pitchFamily="34" charset="0"/>
+              <a:cs typeface="Arial" panose="020B0604020202020204" pitchFamily="34" charset="0"/>
+            </a:endParaRPr>
+          </a:p>
+        </p:txBody>
+      </p:sp>
+      <p:sp>
+        <p:nvSpPr>
+          <p:cNvPr id="11" name="TextBox 10"/>
+          <p:cNvSpPr txBox="1"/>
+          <p:nvPr/>
+        </p:nvSpPr>
+        <p:spPr>
+          <a:xfrm>
+            <a:off x="438627" y="5671059"/>
+            <a:ext cx="3327811" cy="461665"/>
+          </a:xfrm>
+          <a:prstGeom prst="rect">
+            <a:avLst/>
+          </a:prstGeom>
+          <a:noFill/>
+        </p:spPr>
+        <p:txBody>
+          <a:bodyPr wrap="square" rtlCol="0">
+            <a:spAutoFit/>
+          </a:bodyPr>
+          <a:lstStyle/>
+          <a:p>
+            <a:r>
+              <a:rPr lang="ru-RU" sz="2400" dirty="0" smtClean="0">
+                <a:latin typeface="Arial" panose="020B0604020202020204" pitchFamily="34" charset="0"/>
+                <a:cs typeface="Arial" panose="020B0604020202020204" pitchFamily="34" charset="0"/>
+              </a:rPr>
+              <a:t>Таблица «</a:t>
+            </a:r>
+            <a:r>
+              <a:rPr lang="en-US" sz="2400" dirty="0" smtClean="0">
+                <a:latin typeface="Arial" panose="020B0604020202020204" pitchFamily="34" charset="0"/>
+                <a:cs typeface="Arial" panose="020B0604020202020204" pitchFamily="34" charset="0"/>
+              </a:rPr>
+              <a:t>Settlement</a:t>
+            </a:r>
+            <a:r>
+              <a:rPr lang="ru-RU" sz="2400" dirty="0" smtClean="0">
+                <a:latin typeface="Arial" panose="020B0604020202020204" pitchFamily="34" charset="0"/>
+                <a:cs typeface="Arial" panose="020B0604020202020204" pitchFamily="34" charset="0"/>
+              </a:rPr>
+              <a:t>»</a:t>
+            </a:r>
+            <a:endParaRPr lang="ru-RU" sz="2400" dirty="0">
+              <a:latin typeface="Arial" panose="020B0604020202020204" pitchFamily="34" charset="0"/>
+              <a:cs typeface="Arial" panose="020B0604020202020204" pitchFamily="34" charset="0"/>
+            </a:endParaRPr>
+          </a:p>
+        </p:txBody>
+      </p:sp>
+      <p:sp>
+        <p:nvSpPr>
+          <p:cNvPr id="12" name="TextBox 11"/>
+          <p:cNvSpPr txBox="1"/>
+          <p:nvPr/>
+        </p:nvSpPr>
+        <p:spPr>
+          <a:xfrm>
+            <a:off x="6419263" y="5577017"/>
+            <a:ext cx="3058731" cy="461665"/>
+          </a:xfrm>
+          <a:prstGeom prst="rect">
+            <a:avLst/>
+          </a:prstGeom>
+          <a:noFill/>
+        </p:spPr>
+        <p:txBody>
+          <a:bodyPr wrap="square" rtlCol="0">
+            <a:spAutoFit/>
+          </a:bodyPr>
+          <a:lstStyle/>
+          <a:p>
+            <a:r>
+              <a:rPr lang="ru-RU" sz="2400" dirty="0" smtClean="0">
+                <a:latin typeface="Arial" panose="020B0604020202020204" pitchFamily="34" charset="0"/>
+                <a:cs typeface="Arial" panose="020B0604020202020204" pitchFamily="34" charset="0"/>
+              </a:rPr>
+              <a:t>Таблица «</a:t>
+            </a:r>
+            <a:r>
+              <a:rPr lang="en-US" sz="2400" dirty="0" smtClean="0">
+                <a:latin typeface="Arial" panose="020B0604020202020204" pitchFamily="34" charset="0"/>
+                <a:cs typeface="Arial" panose="020B0604020202020204" pitchFamily="34" charset="0"/>
+              </a:rPr>
+              <a:t>Capture</a:t>
+            </a:r>
+            <a:r>
+              <a:rPr lang="ru-RU" sz="2400" dirty="0" smtClean="0">
+                <a:latin typeface="Arial" panose="020B0604020202020204" pitchFamily="34" charset="0"/>
+                <a:cs typeface="Arial" panose="020B0604020202020204" pitchFamily="34" charset="0"/>
+              </a:rPr>
+              <a:t>»</a:t>
+            </a:r>
+            <a:endParaRPr lang="ru-RU" sz="2400" dirty="0">
+              <a:latin typeface="Arial" panose="020B0604020202020204" pitchFamily="34" charset="0"/>
+              <a:cs typeface="Arial" panose="020B0604020202020204" pitchFamily="34" charset="0"/>
+            </a:endParaRPr>
           </a:p>
         </p:txBody>
       </p:sp>
     </p:spTree>
     <p:extLst>
       <p:ext uri="{BB962C8B-B14F-4D97-AF65-F5344CB8AC3E}">
-        <p14:creationId xmlns:p14="http://schemas.microsoft.com/office/powerpoint/2010/main" val="2990187695"/>
+        <p14:creationId xmlns:p14="http://schemas.microsoft.com/office/powerpoint/2010/main" val="2597578001"/>
       </p:ext>
     </p:extLst>
   </p:cSld>
@@ -7690,13 +8164,7 @@
       </p:grpSpPr>
       <p:sp>
         <p:nvSpPr>
-          <p:cNvPr id="2" name="Заголовок 1">
-            <a:extLst>
-              <a:ext uri="{FF2B5EF4-FFF2-40B4-BE49-F238E27FC236}">
-                <a16:creationId xmlns:a16="http://schemas.microsoft.com/office/drawing/2014/main" id="{108AAA93-89DC-85F3-D79B-D543D5BB671A}"/>
-              </a:ext>
-            </a:extLst>
-          </p:cNvPr>
+          <p:cNvPr id="2" name="Заголовок 1"/>
           <p:cNvSpPr>
             <a:spLocks noGrp="1"/>
           </p:cNvSpPr>
@@ -7704,7 +8172,12 @@
             <p:ph type="title"/>
           </p:nvPr>
         </p:nvSpPr>
-        <p:spPr/>
+        <p:spPr>
+          <a:xfrm>
+            <a:off x="469776" y="210066"/>
+            <a:ext cx="10131425" cy="799070"/>
+          </a:xfrm>
+        </p:spPr>
         <p:txBody>
           <a:bodyPr/>
           <a:lstStyle/>
@@ -7714,92 +8187,365 @@
                 <a:latin typeface="Arial" panose="020B0604020202020204" pitchFamily="34" charset="0"/>
                 <a:cs typeface="Arial" panose="020B0604020202020204" pitchFamily="34" charset="0"/>
               </a:rPr>
-              <a:t>Заключение</a:t>
-            </a:r>
-          </a:p>
-        </p:txBody>
-      </p:sp>
-      <p:sp>
-        <p:nvSpPr>
-          <p:cNvPr id="3" name="Объект 2">
+              <a:t>Создание Серверной части</a:t>
+            </a:r>
+            <a:endParaRPr lang="ru-RU" dirty="0"/>
+          </a:p>
+        </p:txBody>
+      </p:sp>
+      <p:pic>
+        <p:nvPicPr>
+          <p:cNvPr id="5" name="Picture 3"/>
+          <p:cNvPicPr>
+            <a:picLocks noChangeAspect="1" noChangeArrowheads="1"/>
+          </p:cNvPicPr>
+          <p:nvPr/>
+        </p:nvPicPr>
+        <p:blipFill>
+          <a:blip r:embed="rId2">
             <a:extLst>
-              <a:ext uri="{FF2B5EF4-FFF2-40B4-BE49-F238E27FC236}">
-                <a16:creationId xmlns:a16="http://schemas.microsoft.com/office/drawing/2014/main" id="{39ECB8B0-C35F-6F43-E1C1-9FDBC19FB8A0}"/>
+              <a:ext uri="{28A0092B-C50C-407E-A947-70E740481C1C}">
+                <a14:useLocalDpi xmlns:a14="http://schemas.microsoft.com/office/drawing/2010/main" val="0"/>
               </a:ext>
             </a:extLst>
-          </p:cNvPr>
-          <p:cNvSpPr>
-            <a:spLocks noGrp="1"/>
-          </p:cNvSpPr>
-          <p:nvPr>
-            <p:ph idx="1"/>
-          </p:nvPr>
-        </p:nvSpPr>
-        <p:spPr/>
-        <p:txBody>
-          <a:bodyPr anchor="t"/>
+          </a:blip>
+          <a:srcRect/>
+          <a:stretch>
+            <a:fillRect/>
+          </a:stretch>
+        </p:blipFill>
+        <p:spPr bwMode="auto">
+          <a:xfrm>
+            <a:off x="7364499" y="1157269"/>
+            <a:ext cx="4488853" cy="2080200"/>
+          </a:xfrm>
+          <a:prstGeom prst="rect">
+            <a:avLst/>
+          </a:prstGeom>
+          <a:noFill/>
+          <a:ln>
+            <a:noFill/>
+          </a:ln>
+          <a:effectLst/>
+          <a:extLst>
+            <a:ext uri="{909E8E84-426E-40DD-AFC4-6F175D3DCCD1}">
+              <a14:hiddenFill xmlns:a14="http://schemas.microsoft.com/office/drawing/2010/main">
+                <a:solidFill>
+                  <a:schemeClr val="accent1"/>
+                </a:solidFill>
+              </a14:hiddenFill>
+            </a:ext>
+            <a:ext uri="{91240B29-F687-4F45-9708-019B960494DF}">
+              <a14:hiddenLine xmlns:a14="http://schemas.microsoft.com/office/drawing/2010/main" w="9525">
+                <a:solidFill>
+                  <a:schemeClr val="tx1"/>
+                </a:solidFill>
+                <a:miter lim="800000"/>
+                <a:headEnd/>
+                <a:tailEnd/>
+              </a14:hiddenLine>
+            </a:ext>
+            <a:ext uri="{AF507438-7753-43E0-B8FC-AC1667EBCBE1}">
+              <a14:hiddenEffects xmlns:a14="http://schemas.microsoft.com/office/drawing/2010/main">
+                <a:effectLst>
+                  <a:outerShdw dist="35921" dir="2700000" algn="ctr" rotWithShape="0">
+                    <a:schemeClr val="bg2"/>
+                  </a:outerShdw>
+                </a:effectLst>
+              </a14:hiddenEffects>
+            </a:ext>
+          </a:extLst>
+        </p:spPr>
+      </p:pic>
+      <p:pic>
+        <p:nvPicPr>
+          <p:cNvPr id="2050" name="Picture 2"/>
+          <p:cNvPicPr>
+            <a:picLocks noChangeAspect="1" noChangeArrowheads="1"/>
+          </p:cNvPicPr>
+          <p:nvPr/>
+        </p:nvPicPr>
+        <p:blipFill>
+          <a:blip r:embed="rId3">
+            <a:extLst>
+              <a:ext uri="{28A0092B-C50C-407E-A947-70E740481C1C}">
+                <a14:useLocalDpi xmlns:a14="http://schemas.microsoft.com/office/drawing/2010/main" val="0"/>
+              </a:ext>
+            </a:extLst>
+          </a:blip>
+          <a:srcRect/>
+          <a:stretch>
+            <a:fillRect/>
+          </a:stretch>
+        </p:blipFill>
+        <p:spPr bwMode="auto">
+          <a:xfrm>
+            <a:off x="334146" y="1157269"/>
+            <a:ext cx="4760421" cy="1824828"/>
+          </a:xfrm>
+          <a:prstGeom prst="rect">
+            <a:avLst/>
+          </a:prstGeom>
+          <a:noFill/>
+          <a:ln>
+            <a:noFill/>
+          </a:ln>
+          <a:effectLst/>
+          <a:extLst>
+            <a:ext uri="{909E8E84-426E-40DD-AFC4-6F175D3DCCD1}">
+              <a14:hiddenFill xmlns:a14="http://schemas.microsoft.com/office/drawing/2010/main">
+                <a:solidFill>
+                  <a:schemeClr val="accent1"/>
+                </a:solidFill>
+              </a14:hiddenFill>
+            </a:ext>
+            <a:ext uri="{91240B29-F687-4F45-9708-019B960494DF}">
+              <a14:hiddenLine xmlns:a14="http://schemas.microsoft.com/office/drawing/2010/main" w="9525">
+                <a:solidFill>
+                  <a:schemeClr val="tx1"/>
+                </a:solidFill>
+                <a:miter lim="800000"/>
+                <a:headEnd/>
+                <a:tailEnd/>
+              </a14:hiddenLine>
+            </a:ext>
+            <a:ext uri="{AF507438-7753-43E0-B8FC-AC1667EBCBE1}">
+              <a14:hiddenEffects xmlns:a14="http://schemas.microsoft.com/office/drawing/2010/main">
+                <a:effectLst>
+                  <a:outerShdw dist="35921" dir="2700000" algn="ctr" rotWithShape="0">
+                    <a:schemeClr val="bg2"/>
+                  </a:outerShdw>
+                </a:effectLst>
+              </a14:hiddenEffects>
+            </a:ext>
+          </a:extLst>
+        </p:spPr>
+      </p:pic>
+      <p:sp>
+        <p:nvSpPr>
+          <p:cNvPr id="7" name="TextBox 6"/>
+          <p:cNvSpPr txBox="1"/>
+          <p:nvPr/>
+        </p:nvSpPr>
+        <p:spPr>
+          <a:xfrm>
+            <a:off x="1050450" y="3117329"/>
+            <a:ext cx="3327811" cy="461665"/>
+          </a:xfrm>
+          <a:prstGeom prst="rect">
+            <a:avLst/>
+          </a:prstGeom>
+          <a:noFill/>
+        </p:spPr>
+        <p:txBody>
+          <a:bodyPr wrap="square" rtlCol="0">
+            <a:spAutoFit/>
+          </a:bodyPr>
           <a:lstStyle/>
           <a:p>
-            <a:pPr marL="0" indent="0">
-              <a:buNone/>
-            </a:pPr>
-            <a:r>
-              <a:rPr lang="ru-RU" sz="1800" dirty="0">
-                <a:effectLst/>
-                <a:latin typeface="Arial" panose="020B0604020202020204" pitchFamily="34" charset="0"/>
-                <a:ea typeface="Calibri" panose="020F0502020204030204" pitchFamily="34" charset="0"/>
-                <a:cs typeface="Arial" panose="020B0604020202020204" pitchFamily="34" charset="0"/>
-              </a:rPr>
-              <a:t>Цели учебной практики были достигнуты путем проведения анализа предметной области, проектирования информационной системы и разработки программных модулей</a:t>
-            </a:r>
-            <a:endParaRPr lang="en-US" sz="1800" dirty="0">
-              <a:effectLst/>
-              <a:latin typeface="Arial" panose="020B0604020202020204" pitchFamily="34" charset="0"/>
-              <a:ea typeface="Calibri" panose="020F0502020204030204" pitchFamily="34" charset="0"/>
-              <a:cs typeface="Arial" panose="020B0604020202020204" pitchFamily="34" charset="0"/>
-            </a:endParaRPr>
-          </a:p>
-          <a:p>
-            <a:pPr marL="0" indent="0">
-              <a:buNone/>
-            </a:pPr>
-            <a:r>
-              <a:rPr lang="ru-RU" dirty="0">
+            <a:r>
+              <a:rPr lang="ru-RU" sz="2400" dirty="0" smtClean="0">
                 <a:latin typeface="Arial" panose="020B0604020202020204" pitchFamily="34" charset="0"/>
                 <a:cs typeface="Arial" panose="020B0604020202020204" pitchFamily="34" charset="0"/>
               </a:rPr>
-              <a:t>Это позволяет сделать вывод, что поставленные цели и задачи выполнены в полном объеме.</a:t>
-            </a:r>
-          </a:p>
-          <a:p>
-            <a:pPr marL="0" indent="0">
-              <a:buNone/>
-            </a:pPr>
-            <a:r>
-              <a:rPr lang="ru-RU" dirty="0">
+              <a:t>Таблица «</a:t>
+            </a:r>
+            <a:r>
+              <a:rPr lang="en-US" sz="2400" dirty="0" smtClean="0">
                 <a:latin typeface="Arial" panose="020B0604020202020204" pitchFamily="34" charset="0"/>
                 <a:cs typeface="Arial" panose="020B0604020202020204" pitchFamily="34" charset="0"/>
               </a:rPr>
-              <a:t>В дальнейшем данная информационная система может быть модернизирована путем создания версии для слабовидящих людей, создания возможности расширить форму на полный экран или улучшения и изменения </a:t>
-            </a:r>
-            <a:r>
-              <a:rPr lang="ru-RU">
+              <a:t>Prolonging</a:t>
+            </a:r>
+            <a:r>
+              <a:rPr lang="ru-RU" sz="2400" dirty="0" smtClean="0">
                 <a:latin typeface="Arial" panose="020B0604020202020204" pitchFamily="34" charset="0"/>
                 <a:cs typeface="Arial" panose="020B0604020202020204" pitchFamily="34" charset="0"/>
               </a:rPr>
-              <a:t>дизайна.</a:t>
-            </a:r>
-            <a:endParaRPr lang="ru-RU" dirty="0">
+              <a:t>»</a:t>
+            </a:r>
+            <a:endParaRPr lang="ru-RU" sz="2400" dirty="0">
               <a:latin typeface="Arial" panose="020B0604020202020204" pitchFamily="34" charset="0"/>
               <a:cs typeface="Arial" panose="020B0604020202020204" pitchFamily="34" charset="0"/>
             </a:endParaRPr>
           </a:p>
         </p:txBody>
       </p:sp>
+      <p:sp>
+        <p:nvSpPr>
+          <p:cNvPr id="8" name="TextBox 7"/>
+          <p:cNvSpPr txBox="1"/>
+          <p:nvPr/>
+        </p:nvSpPr>
+        <p:spPr>
+          <a:xfrm>
+            <a:off x="8342169" y="3379900"/>
+            <a:ext cx="2533511" cy="461665"/>
+          </a:xfrm>
+          <a:prstGeom prst="rect">
+            <a:avLst/>
+          </a:prstGeom>
+          <a:noFill/>
+        </p:spPr>
+        <p:txBody>
+          <a:bodyPr wrap="square" rtlCol="0">
+            <a:spAutoFit/>
+          </a:bodyPr>
+          <a:lstStyle/>
+          <a:p>
+            <a:r>
+              <a:rPr lang="ru-RU" sz="2400" dirty="0" smtClean="0">
+                <a:latin typeface="Arial" panose="020B0604020202020204" pitchFamily="34" charset="0"/>
+                <a:cs typeface="Arial" panose="020B0604020202020204" pitchFamily="34" charset="0"/>
+              </a:rPr>
+              <a:t>Таблица «</a:t>
+            </a:r>
+            <a:r>
+              <a:rPr lang="en-US" sz="2400" dirty="0" smtClean="0">
+                <a:latin typeface="Arial" panose="020B0604020202020204" pitchFamily="34" charset="0"/>
+                <a:cs typeface="Arial" panose="020B0604020202020204" pitchFamily="34" charset="0"/>
+              </a:rPr>
+              <a:t>User</a:t>
+            </a:r>
+            <a:r>
+              <a:rPr lang="ru-RU" sz="2400" dirty="0" smtClean="0">
+                <a:latin typeface="Arial" panose="020B0604020202020204" pitchFamily="34" charset="0"/>
+                <a:cs typeface="Arial" panose="020B0604020202020204" pitchFamily="34" charset="0"/>
+              </a:rPr>
+              <a:t>»</a:t>
+            </a:r>
+            <a:endParaRPr lang="ru-RU" sz="2400" dirty="0">
+              <a:latin typeface="Arial" panose="020B0604020202020204" pitchFamily="34" charset="0"/>
+              <a:cs typeface="Arial" panose="020B0604020202020204" pitchFamily="34" charset="0"/>
+            </a:endParaRPr>
+          </a:p>
+        </p:txBody>
+      </p:sp>
+      <p:pic>
+        <p:nvPicPr>
+          <p:cNvPr id="1026" name="Picture 2"/>
+          <p:cNvPicPr>
+            <a:picLocks noChangeAspect="1" noChangeArrowheads="1"/>
+          </p:cNvPicPr>
+          <p:nvPr/>
+        </p:nvPicPr>
+        <p:blipFill>
+          <a:blip r:embed="rId4">
+            <a:extLst>
+              <a:ext uri="{28A0092B-C50C-407E-A947-70E740481C1C}">
+                <a14:useLocalDpi xmlns:a14="http://schemas.microsoft.com/office/drawing/2010/main" val="0"/>
+              </a:ext>
+            </a:extLst>
+          </a:blip>
+          <a:srcRect/>
+          <a:stretch>
+            <a:fillRect/>
+          </a:stretch>
+        </p:blipFill>
+        <p:spPr bwMode="auto">
+          <a:xfrm>
+            <a:off x="2714356" y="4034683"/>
+            <a:ext cx="6643266" cy="1715329"/>
+          </a:xfrm>
+          <a:prstGeom prst="rect">
+            <a:avLst/>
+          </a:prstGeom>
+          <a:noFill/>
+          <a:ln>
+            <a:noFill/>
+          </a:ln>
+          <a:effectLst/>
+          <a:extLst>
+            <a:ext uri="{909E8E84-426E-40DD-AFC4-6F175D3DCCD1}">
+              <a14:hiddenFill xmlns:a14="http://schemas.microsoft.com/office/drawing/2010/main">
+                <a:solidFill>
+                  <a:schemeClr val="accent1"/>
+                </a:solidFill>
+              </a14:hiddenFill>
+            </a:ext>
+            <a:ext uri="{91240B29-F687-4F45-9708-019B960494DF}">
+              <a14:hiddenLine xmlns:a14="http://schemas.microsoft.com/office/drawing/2010/main" w="9525">
+                <a:solidFill>
+                  <a:schemeClr val="tx1"/>
+                </a:solidFill>
+                <a:miter lim="800000"/>
+                <a:headEnd/>
+                <a:tailEnd/>
+              </a14:hiddenLine>
+            </a:ext>
+            <a:ext uri="{AF507438-7753-43E0-B8FC-AC1667EBCBE1}">
+              <a14:hiddenEffects xmlns:a14="http://schemas.microsoft.com/office/drawing/2010/main">
+                <a:effectLst>
+                  <a:outerShdw dist="35921" dir="2700000" algn="ctr" rotWithShape="0">
+                    <a:schemeClr val="bg2"/>
+                  </a:outerShdw>
+                </a:effectLst>
+              </a14:hiddenEffects>
+            </a:ext>
+          </a:extLst>
+        </p:spPr>
+      </p:pic>
+      <p:sp>
+        <p:nvSpPr>
+          <p:cNvPr id="9" name="TextBox 8"/>
+          <p:cNvSpPr txBox="1"/>
+          <p:nvPr/>
+        </p:nvSpPr>
+        <p:spPr>
+          <a:xfrm>
+            <a:off x="4622962" y="5888322"/>
+            <a:ext cx="2826053" cy="461665"/>
+          </a:xfrm>
+          <a:prstGeom prst="rect">
+            <a:avLst/>
+          </a:prstGeom>
+          <a:noFill/>
+        </p:spPr>
+        <p:txBody>
+          <a:bodyPr wrap="square" rtlCol="0">
+            <a:spAutoFit/>
+          </a:bodyPr>
+          <a:lstStyle/>
+          <a:p>
+            <a:r>
+              <a:rPr lang="ru-RU" sz="2400" dirty="0" smtClean="0">
+                <a:latin typeface="Arial" panose="020B0604020202020204" pitchFamily="34" charset="0"/>
+                <a:cs typeface="Arial" panose="020B0604020202020204" pitchFamily="34" charset="0"/>
+              </a:rPr>
+              <a:t>Таблица </a:t>
+            </a:r>
+            <a:r>
+              <a:rPr lang="ru-RU" sz="2400" dirty="0" smtClean="0">
+                <a:latin typeface="Arial" panose="020B0604020202020204" pitchFamily="34" charset="0"/>
+                <a:cs typeface="Arial" panose="020B0604020202020204" pitchFamily="34" charset="0"/>
+              </a:rPr>
+              <a:t>«</a:t>
+            </a:r>
+            <a:r>
+              <a:rPr lang="en-US" sz="2400" dirty="0" smtClean="0">
+                <a:latin typeface="Arial" panose="020B0604020202020204" pitchFamily="34" charset="0"/>
+                <a:cs typeface="Arial" panose="020B0604020202020204" pitchFamily="34" charset="0"/>
+              </a:rPr>
+              <a:t>Calling</a:t>
+            </a:r>
+            <a:r>
+              <a:rPr lang="ru-RU" sz="2400" dirty="0" smtClean="0">
+                <a:latin typeface="Arial" panose="020B0604020202020204" pitchFamily="34" charset="0"/>
+                <a:cs typeface="Arial" panose="020B0604020202020204" pitchFamily="34" charset="0"/>
+              </a:rPr>
+              <a:t>»</a:t>
+            </a:r>
+            <a:endParaRPr lang="ru-RU" sz="2400" dirty="0">
+              <a:latin typeface="Arial" panose="020B0604020202020204" pitchFamily="34" charset="0"/>
+              <a:cs typeface="Arial" panose="020B0604020202020204" pitchFamily="34" charset="0"/>
+            </a:endParaRPr>
+          </a:p>
+        </p:txBody>
+      </p:sp>
     </p:spTree>
     <p:extLst>
       <p:ext uri="{BB962C8B-B14F-4D97-AF65-F5344CB8AC3E}">
-        <p14:creationId xmlns:p14="http://schemas.microsoft.com/office/powerpoint/2010/main" val="1131922483"/>
+        <p14:creationId xmlns:p14="http://schemas.microsoft.com/office/powerpoint/2010/main" val="3953764056"/>
       </p:ext>
     </p:extLst>
   </p:cSld>
@@ -7831,7 +8577,1523 @@
           <p:cNvPr id="2" name="Заголовок 1">
             <a:extLst>
               <a:ext uri="{FF2B5EF4-FFF2-40B4-BE49-F238E27FC236}">
-                <a16:creationId xmlns:a16="http://schemas.microsoft.com/office/drawing/2014/main" id="{340C7600-5BA8-4A54-887F-74AF87750A31}"/>
+                <a16:creationId xmlns:a16="http://schemas.microsoft.com/office/drawing/2014/main" xmlns="" id="{1A2DC76E-2E87-875E-2A88-A5A945162E99}"/>
+              </a:ext>
+            </a:extLst>
+          </p:cNvPr>
+          <p:cNvSpPr>
+            <a:spLocks noGrp="1"/>
+          </p:cNvSpPr>
+          <p:nvPr>
+            <p:ph type="title"/>
+          </p:nvPr>
+        </p:nvSpPr>
+        <p:spPr>
+          <a:xfrm>
+            <a:off x="685801" y="215901"/>
+            <a:ext cx="10131425" cy="1054100"/>
+          </a:xfrm>
+        </p:spPr>
+        <p:txBody>
+          <a:bodyPr/>
+          <a:lstStyle/>
+          <a:p>
+            <a:r>
+              <a:rPr lang="ru-RU" dirty="0" smtClean="0">
+                <a:latin typeface="Arial" panose="020B0604020202020204" pitchFamily="34" charset="0"/>
+                <a:cs typeface="Arial" panose="020B0604020202020204" pitchFamily="34" charset="0"/>
+              </a:rPr>
+              <a:t>Создание Клиентской части</a:t>
+            </a:r>
+            <a:endParaRPr lang="ru-RU" dirty="0">
+              <a:latin typeface="Arial" panose="020B0604020202020204" pitchFamily="34" charset="0"/>
+              <a:cs typeface="Arial" panose="020B0604020202020204" pitchFamily="34" charset="0"/>
+            </a:endParaRPr>
+          </a:p>
+        </p:txBody>
+      </p:sp>
+      <p:pic>
+        <p:nvPicPr>
+          <p:cNvPr id="3075" name="Picture 3"/>
+          <p:cNvPicPr>
+            <a:picLocks noChangeAspect="1" noChangeArrowheads="1"/>
+          </p:cNvPicPr>
+          <p:nvPr/>
+        </p:nvPicPr>
+        <p:blipFill>
+          <a:blip r:embed="rId2">
+            <a:extLst>
+              <a:ext uri="{28A0092B-C50C-407E-A947-70E740481C1C}">
+                <a14:useLocalDpi xmlns:a14="http://schemas.microsoft.com/office/drawing/2010/main" val="0"/>
+              </a:ext>
+            </a:extLst>
+          </a:blip>
+          <a:srcRect/>
+          <a:stretch>
+            <a:fillRect/>
+          </a:stretch>
+        </p:blipFill>
+        <p:spPr bwMode="auto">
+          <a:xfrm>
+            <a:off x="6854824" y="1270001"/>
+            <a:ext cx="3733451" cy="4283162"/>
+          </a:xfrm>
+          <a:prstGeom prst="rect">
+            <a:avLst/>
+          </a:prstGeom>
+          <a:noFill/>
+          <a:ln>
+            <a:noFill/>
+          </a:ln>
+          <a:effectLst/>
+          <a:extLst>
+            <a:ext uri="{909E8E84-426E-40DD-AFC4-6F175D3DCCD1}">
+              <a14:hiddenFill xmlns:a14="http://schemas.microsoft.com/office/drawing/2010/main">
+                <a:solidFill>
+                  <a:schemeClr val="accent1"/>
+                </a:solidFill>
+              </a14:hiddenFill>
+            </a:ext>
+            <a:ext uri="{91240B29-F687-4F45-9708-019B960494DF}">
+              <a14:hiddenLine xmlns:a14="http://schemas.microsoft.com/office/drawing/2010/main" w="9525">
+                <a:solidFill>
+                  <a:schemeClr val="tx1"/>
+                </a:solidFill>
+                <a:miter lim="800000"/>
+                <a:headEnd/>
+                <a:tailEnd/>
+              </a14:hiddenLine>
+            </a:ext>
+            <a:ext uri="{AF507438-7753-43E0-B8FC-AC1667EBCBE1}">
+              <a14:hiddenEffects xmlns:a14="http://schemas.microsoft.com/office/drawing/2010/main">
+                <a:effectLst>
+                  <a:outerShdw dist="35921" dir="2700000" algn="ctr" rotWithShape="0">
+                    <a:schemeClr val="bg2"/>
+                  </a:outerShdw>
+                </a:effectLst>
+              </a14:hiddenEffects>
+            </a:ext>
+          </a:extLst>
+        </p:spPr>
+      </p:pic>
+      <p:pic>
+        <p:nvPicPr>
+          <p:cNvPr id="3076" name="Picture 4"/>
+          <p:cNvPicPr>
+            <a:picLocks noChangeAspect="1" noChangeArrowheads="1"/>
+          </p:cNvPicPr>
+          <p:nvPr/>
+        </p:nvPicPr>
+        <p:blipFill rotWithShape="1">
+          <a:blip r:embed="rId3">
+            <a:extLst>
+              <a:ext uri="{28A0092B-C50C-407E-A947-70E740481C1C}">
+                <a14:useLocalDpi xmlns:a14="http://schemas.microsoft.com/office/drawing/2010/main" val="0"/>
+              </a:ext>
+            </a:extLst>
+          </a:blip>
+          <a:srcRect/>
+          <a:stretch/>
+        </p:blipFill>
+        <p:spPr bwMode="auto">
+          <a:xfrm>
+            <a:off x="1295400" y="1514473"/>
+            <a:ext cx="3950716" cy="3527425"/>
+          </a:xfrm>
+          <a:prstGeom prst="rect">
+            <a:avLst/>
+          </a:prstGeom>
+          <a:noFill/>
+          <a:ln>
+            <a:noFill/>
+          </a:ln>
+          <a:effectLst/>
+          <a:extLst>
+            <a:ext uri="{909E8E84-426E-40DD-AFC4-6F175D3DCCD1}">
+              <a14:hiddenFill xmlns:a14="http://schemas.microsoft.com/office/drawing/2010/main">
+                <a:solidFill>
+                  <a:schemeClr val="accent1"/>
+                </a:solidFill>
+              </a14:hiddenFill>
+            </a:ext>
+            <a:ext uri="{91240B29-F687-4F45-9708-019B960494DF}">
+              <a14:hiddenLine xmlns:a14="http://schemas.microsoft.com/office/drawing/2010/main" w="9525">
+                <a:solidFill>
+                  <a:schemeClr val="tx1"/>
+                </a:solidFill>
+                <a:miter lim="800000"/>
+                <a:headEnd/>
+                <a:tailEnd/>
+              </a14:hiddenLine>
+            </a:ext>
+            <a:ext uri="{AF507438-7753-43E0-B8FC-AC1667EBCBE1}">
+              <a14:hiddenEffects xmlns:a14="http://schemas.microsoft.com/office/drawing/2010/main">
+                <a:effectLst>
+                  <a:outerShdw dist="35921" dir="2700000" algn="ctr" rotWithShape="0">
+                    <a:schemeClr val="bg2"/>
+                  </a:outerShdw>
+                </a:effectLst>
+              </a14:hiddenEffects>
+            </a:ext>
+          </a:extLst>
+        </p:spPr>
+      </p:pic>
+      <p:sp>
+        <p:nvSpPr>
+          <p:cNvPr id="4" name="TextBox 3"/>
+          <p:cNvSpPr txBox="1"/>
+          <p:nvPr/>
+        </p:nvSpPr>
+        <p:spPr>
+          <a:xfrm>
+            <a:off x="1557453" y="5199108"/>
+            <a:ext cx="3426605" cy="461665"/>
+          </a:xfrm>
+          <a:prstGeom prst="rect">
+            <a:avLst/>
+          </a:prstGeom>
+          <a:noFill/>
+        </p:spPr>
+        <p:txBody>
+          <a:bodyPr wrap="square" rtlCol="0">
+            <a:spAutoFit/>
+          </a:bodyPr>
+          <a:lstStyle/>
+          <a:p>
+            <a:pPr algn="ctr"/>
+            <a:r>
+              <a:rPr lang="ru-RU" sz="2400" dirty="0" smtClean="0">
+                <a:latin typeface="Arial" pitchFamily="34" charset="0"/>
+                <a:cs typeface="Arial" pitchFamily="34" charset="0"/>
+              </a:rPr>
+              <a:t>Форма </a:t>
+            </a:r>
+            <a:r>
+              <a:rPr lang="ru-RU" sz="2400" dirty="0">
+                <a:latin typeface="Arial" pitchFamily="34" charset="0"/>
+                <a:cs typeface="Arial" pitchFamily="34" charset="0"/>
+              </a:rPr>
+              <a:t>а</a:t>
+            </a:r>
+            <a:r>
+              <a:rPr lang="ru-RU" sz="2400" dirty="0" smtClean="0">
+                <a:latin typeface="Arial" pitchFamily="34" charset="0"/>
+                <a:cs typeface="Arial" pitchFamily="34" charset="0"/>
+              </a:rPr>
+              <a:t>вторизация</a:t>
+            </a:r>
+            <a:endParaRPr lang="ru-RU" sz="2400" dirty="0">
+              <a:latin typeface="Arial" pitchFamily="34" charset="0"/>
+              <a:cs typeface="Arial" pitchFamily="34" charset="0"/>
+            </a:endParaRPr>
+          </a:p>
+        </p:txBody>
+      </p:sp>
+      <p:sp>
+        <p:nvSpPr>
+          <p:cNvPr id="8" name="TextBox 7"/>
+          <p:cNvSpPr txBox="1"/>
+          <p:nvPr/>
+        </p:nvSpPr>
+        <p:spPr>
+          <a:xfrm>
+            <a:off x="7197549" y="5642585"/>
+            <a:ext cx="3048000" cy="461665"/>
+          </a:xfrm>
+          <a:prstGeom prst="rect">
+            <a:avLst/>
+          </a:prstGeom>
+          <a:noFill/>
+        </p:spPr>
+        <p:txBody>
+          <a:bodyPr wrap="square" rtlCol="0">
+            <a:spAutoFit/>
+          </a:bodyPr>
+          <a:lstStyle/>
+          <a:p>
+            <a:pPr algn="ctr"/>
+            <a:r>
+              <a:rPr lang="ru-RU" sz="2400" dirty="0" smtClean="0">
+                <a:latin typeface="Arial" pitchFamily="34" charset="0"/>
+                <a:cs typeface="Arial" pitchFamily="34" charset="0"/>
+              </a:rPr>
+              <a:t>Форма </a:t>
+            </a:r>
+            <a:r>
+              <a:rPr lang="ru-RU" sz="2400" dirty="0">
+                <a:latin typeface="Arial" pitchFamily="34" charset="0"/>
+                <a:cs typeface="Arial" pitchFamily="34" charset="0"/>
+              </a:rPr>
+              <a:t>р</a:t>
+            </a:r>
+            <a:r>
+              <a:rPr lang="ru-RU" sz="2400" dirty="0" smtClean="0">
+                <a:latin typeface="Arial" pitchFamily="34" charset="0"/>
+                <a:cs typeface="Arial" pitchFamily="34" charset="0"/>
+              </a:rPr>
+              <a:t>егистрации</a:t>
+            </a:r>
+            <a:endParaRPr lang="ru-RU" sz="2400" dirty="0">
+              <a:latin typeface="Arial" pitchFamily="34" charset="0"/>
+              <a:cs typeface="Arial" pitchFamily="34" charset="0"/>
+            </a:endParaRPr>
+          </a:p>
+        </p:txBody>
+      </p:sp>
+    </p:spTree>
+    <p:extLst>
+      <p:ext uri="{BB962C8B-B14F-4D97-AF65-F5344CB8AC3E}">
+        <p14:creationId xmlns:p14="http://schemas.microsoft.com/office/powerpoint/2010/main" val="2990187695"/>
+      </p:ext>
+    </p:extLst>
+  </p:cSld>
+  <p:clrMapOvr>
+    <a:masterClrMapping/>
+  </p:clrMapOvr>
+</p:sld>
+</file>
+
+<file path=ppt/slides/slide13.xml><?xml version="1.0" encoding="utf-8"?>
+<p:sld xmlns:a="http://schemas.openxmlformats.org/drawingml/2006/main" xmlns:r="http://schemas.openxmlformats.org/officeDocument/2006/relationships" xmlns:p="http://schemas.openxmlformats.org/presentationml/2006/main">
+  <p:cSld>
+    <p:spTree>
+      <p:nvGrpSpPr>
+        <p:cNvPr id="1" name=""/>
+        <p:cNvGrpSpPr/>
+        <p:nvPr/>
+      </p:nvGrpSpPr>
+      <p:grpSpPr>
+        <a:xfrm>
+          <a:off x="0" y="0"/>
+          <a:ext cx="0" cy="0"/>
+          <a:chOff x="0" y="0"/>
+          <a:chExt cx="0" cy="0"/>
+        </a:xfrm>
+      </p:grpSpPr>
+      <p:sp>
+        <p:nvSpPr>
+          <p:cNvPr id="2" name="Заголовок 1"/>
+          <p:cNvSpPr>
+            <a:spLocks noGrp="1"/>
+          </p:cNvSpPr>
+          <p:nvPr>
+            <p:ph type="title"/>
+          </p:nvPr>
+        </p:nvSpPr>
+        <p:spPr>
+          <a:xfrm>
+            <a:off x="685801" y="203201"/>
+            <a:ext cx="10131425" cy="812800"/>
+          </a:xfrm>
+        </p:spPr>
+        <p:txBody>
+          <a:bodyPr/>
+          <a:lstStyle/>
+          <a:p>
+            <a:r>
+              <a:rPr lang="ru-RU" dirty="0">
+                <a:latin typeface="Arial" panose="020B0604020202020204" pitchFamily="34" charset="0"/>
+                <a:cs typeface="Arial" panose="020B0604020202020204" pitchFamily="34" charset="0"/>
+              </a:rPr>
+              <a:t>Создание Клиентской части</a:t>
+            </a:r>
+            <a:endParaRPr lang="ru-RU" dirty="0"/>
+          </a:p>
+        </p:txBody>
+      </p:sp>
+      <p:pic>
+        <p:nvPicPr>
+          <p:cNvPr id="4099" name="Picture 3"/>
+          <p:cNvPicPr>
+            <a:picLocks noChangeAspect="1" noChangeArrowheads="1"/>
+          </p:cNvPicPr>
+          <p:nvPr/>
+        </p:nvPicPr>
+        <p:blipFill>
+          <a:blip r:embed="rId2">
+            <a:extLst>
+              <a:ext uri="{28A0092B-C50C-407E-A947-70E740481C1C}">
+                <a14:useLocalDpi xmlns:a14="http://schemas.microsoft.com/office/drawing/2010/main" val="0"/>
+              </a:ext>
+            </a:extLst>
+          </a:blip>
+          <a:srcRect/>
+          <a:stretch>
+            <a:fillRect/>
+          </a:stretch>
+        </p:blipFill>
+        <p:spPr bwMode="auto">
+          <a:xfrm>
+            <a:off x="7124700" y="1028317"/>
+            <a:ext cx="3463926" cy="4692684"/>
+          </a:xfrm>
+          <a:prstGeom prst="rect">
+            <a:avLst/>
+          </a:prstGeom>
+          <a:noFill/>
+          <a:ln>
+            <a:noFill/>
+          </a:ln>
+          <a:effectLst/>
+          <a:extLst>
+            <a:ext uri="{909E8E84-426E-40DD-AFC4-6F175D3DCCD1}">
+              <a14:hiddenFill xmlns:a14="http://schemas.microsoft.com/office/drawing/2010/main">
+                <a:solidFill>
+                  <a:schemeClr val="accent1"/>
+                </a:solidFill>
+              </a14:hiddenFill>
+            </a:ext>
+            <a:ext uri="{91240B29-F687-4F45-9708-019B960494DF}">
+              <a14:hiddenLine xmlns:a14="http://schemas.microsoft.com/office/drawing/2010/main" w="9525">
+                <a:solidFill>
+                  <a:schemeClr val="tx1"/>
+                </a:solidFill>
+                <a:miter lim="800000"/>
+                <a:headEnd/>
+                <a:tailEnd/>
+              </a14:hiddenLine>
+            </a:ext>
+            <a:ext uri="{AF507438-7753-43E0-B8FC-AC1667EBCBE1}">
+              <a14:hiddenEffects xmlns:a14="http://schemas.microsoft.com/office/drawing/2010/main">
+                <a:effectLst>
+                  <a:outerShdw dist="35921" dir="2700000" algn="ctr" rotWithShape="0">
+                    <a:schemeClr val="bg2"/>
+                  </a:outerShdw>
+                </a:effectLst>
+              </a14:hiddenEffects>
+            </a:ext>
+          </a:extLst>
+        </p:spPr>
+      </p:pic>
+      <p:pic>
+        <p:nvPicPr>
+          <p:cNvPr id="6" name="Picture 4"/>
+          <p:cNvPicPr>
+            <a:picLocks noChangeAspect="1" noChangeArrowheads="1"/>
+          </p:cNvPicPr>
+          <p:nvPr/>
+        </p:nvPicPr>
+        <p:blipFill>
+          <a:blip r:embed="rId3">
+            <a:extLst>
+              <a:ext uri="{28A0092B-C50C-407E-A947-70E740481C1C}">
+                <a14:useLocalDpi xmlns:a14="http://schemas.microsoft.com/office/drawing/2010/main" val="0"/>
+              </a:ext>
+            </a:extLst>
+          </a:blip>
+          <a:srcRect/>
+          <a:stretch>
+            <a:fillRect/>
+          </a:stretch>
+        </p:blipFill>
+        <p:spPr bwMode="auto">
+          <a:xfrm>
+            <a:off x="1223962" y="1121230"/>
+            <a:ext cx="3678237" cy="4820137"/>
+          </a:xfrm>
+          <a:prstGeom prst="rect">
+            <a:avLst/>
+          </a:prstGeom>
+          <a:noFill/>
+          <a:ln>
+            <a:noFill/>
+          </a:ln>
+          <a:effectLst/>
+          <a:extLst>
+            <a:ext uri="{909E8E84-426E-40DD-AFC4-6F175D3DCCD1}">
+              <a14:hiddenFill xmlns:a14="http://schemas.microsoft.com/office/drawing/2010/main">
+                <a:solidFill>
+                  <a:schemeClr val="accent1"/>
+                </a:solidFill>
+              </a14:hiddenFill>
+            </a:ext>
+            <a:ext uri="{91240B29-F687-4F45-9708-019B960494DF}">
+              <a14:hiddenLine xmlns:a14="http://schemas.microsoft.com/office/drawing/2010/main" w="9525">
+                <a:solidFill>
+                  <a:schemeClr val="tx1"/>
+                </a:solidFill>
+                <a:miter lim="800000"/>
+                <a:headEnd/>
+                <a:tailEnd/>
+              </a14:hiddenLine>
+            </a:ext>
+            <a:ext uri="{AF507438-7753-43E0-B8FC-AC1667EBCBE1}">
+              <a14:hiddenEffects xmlns:a14="http://schemas.microsoft.com/office/drawing/2010/main">
+                <a:effectLst>
+                  <a:outerShdw dist="35921" dir="2700000" algn="ctr" rotWithShape="0">
+                    <a:schemeClr val="bg2"/>
+                  </a:outerShdw>
+                </a:effectLst>
+              </a14:hiddenEffects>
+            </a:ext>
+          </a:extLst>
+        </p:spPr>
+      </p:pic>
+      <p:sp>
+        <p:nvSpPr>
+          <p:cNvPr id="4" name="TextBox 3"/>
+          <p:cNvSpPr txBox="1"/>
+          <p:nvPr/>
+        </p:nvSpPr>
+        <p:spPr>
+          <a:xfrm>
+            <a:off x="931443" y="5974319"/>
+            <a:ext cx="4263273" cy="461665"/>
+          </a:xfrm>
+          <a:prstGeom prst="rect">
+            <a:avLst/>
+          </a:prstGeom>
+          <a:noFill/>
+        </p:spPr>
+        <p:txBody>
+          <a:bodyPr wrap="square" rtlCol="0">
+            <a:spAutoFit/>
+          </a:bodyPr>
+          <a:lstStyle/>
+          <a:p>
+            <a:r>
+              <a:rPr lang="ru-RU" sz="2400" dirty="0" smtClean="0">
+                <a:latin typeface="Arial" pitchFamily="34" charset="0"/>
+                <a:cs typeface="Arial" pitchFamily="34" charset="0"/>
+              </a:rPr>
+              <a:t>Форма регистрации квартир</a:t>
+            </a:r>
+            <a:endParaRPr lang="ru-RU" sz="2400" dirty="0">
+              <a:latin typeface="Arial" pitchFamily="34" charset="0"/>
+              <a:cs typeface="Arial" pitchFamily="34" charset="0"/>
+            </a:endParaRPr>
+          </a:p>
+        </p:txBody>
+      </p:sp>
+      <p:sp>
+        <p:nvSpPr>
+          <p:cNvPr id="8" name="TextBox 7"/>
+          <p:cNvSpPr txBox="1"/>
+          <p:nvPr/>
+        </p:nvSpPr>
+        <p:spPr>
+          <a:xfrm>
+            <a:off x="6792119" y="5784501"/>
+            <a:ext cx="4129087" cy="461665"/>
+          </a:xfrm>
+          <a:prstGeom prst="rect">
+            <a:avLst/>
+          </a:prstGeom>
+          <a:noFill/>
+        </p:spPr>
+        <p:txBody>
+          <a:bodyPr wrap="square" rtlCol="0">
+            <a:spAutoFit/>
+          </a:bodyPr>
+          <a:lstStyle/>
+          <a:p>
+            <a:r>
+              <a:rPr lang="ru-RU" sz="2400" dirty="0" smtClean="0">
+                <a:latin typeface="Arial" pitchFamily="34" charset="0"/>
+                <a:cs typeface="Arial" pitchFamily="34" charset="0"/>
+              </a:rPr>
+              <a:t>Форма продления договора</a:t>
+            </a:r>
+            <a:endParaRPr lang="ru-RU" sz="2400" dirty="0">
+              <a:latin typeface="Arial" pitchFamily="34" charset="0"/>
+              <a:cs typeface="Arial" pitchFamily="34" charset="0"/>
+            </a:endParaRPr>
+          </a:p>
+        </p:txBody>
+      </p:sp>
+    </p:spTree>
+    <p:extLst>
+      <p:ext uri="{BB962C8B-B14F-4D97-AF65-F5344CB8AC3E}">
+        <p14:creationId xmlns:p14="http://schemas.microsoft.com/office/powerpoint/2010/main" val="4100660642"/>
+      </p:ext>
+    </p:extLst>
+  </p:cSld>
+  <p:clrMapOvr>
+    <a:masterClrMapping/>
+  </p:clrMapOvr>
+</p:sld>
+</file>
+
+<file path=ppt/slides/slide14.xml><?xml version="1.0" encoding="utf-8"?>
+<p:sld xmlns:a="http://schemas.openxmlformats.org/drawingml/2006/main" xmlns:r="http://schemas.openxmlformats.org/officeDocument/2006/relationships" xmlns:p="http://schemas.openxmlformats.org/presentationml/2006/main">
+  <p:cSld>
+    <p:spTree>
+      <p:nvGrpSpPr>
+        <p:cNvPr id="1" name=""/>
+        <p:cNvGrpSpPr/>
+        <p:nvPr/>
+      </p:nvGrpSpPr>
+      <p:grpSpPr>
+        <a:xfrm>
+          <a:off x="0" y="0"/>
+          <a:ext cx="0" cy="0"/>
+          <a:chOff x="0" y="0"/>
+          <a:chExt cx="0" cy="0"/>
+        </a:xfrm>
+      </p:grpSpPr>
+      <p:sp>
+        <p:nvSpPr>
+          <p:cNvPr id="2" name="Заголовок 1"/>
+          <p:cNvSpPr>
+            <a:spLocks noGrp="1"/>
+          </p:cNvSpPr>
+          <p:nvPr>
+            <p:ph type="title"/>
+          </p:nvPr>
+        </p:nvSpPr>
+        <p:spPr>
+          <a:xfrm>
+            <a:off x="685801" y="209551"/>
+            <a:ext cx="10131425" cy="800099"/>
+          </a:xfrm>
+        </p:spPr>
+        <p:txBody>
+          <a:bodyPr/>
+          <a:lstStyle/>
+          <a:p>
+            <a:r>
+              <a:rPr lang="ru-RU" dirty="0">
+                <a:latin typeface="Arial" panose="020B0604020202020204" pitchFamily="34" charset="0"/>
+                <a:cs typeface="Arial" panose="020B0604020202020204" pitchFamily="34" charset="0"/>
+              </a:rPr>
+              <a:t>Создание Клиентской части</a:t>
+            </a:r>
+            <a:endParaRPr lang="ru-RU" dirty="0"/>
+          </a:p>
+        </p:txBody>
+      </p:sp>
+      <p:pic>
+        <p:nvPicPr>
+          <p:cNvPr id="5122" name="Picture 2"/>
+          <p:cNvPicPr>
+            <a:picLocks noGrp="1" noChangeAspect="1" noChangeArrowheads="1"/>
+          </p:cNvPicPr>
+          <p:nvPr>
+            <p:ph idx="1"/>
+          </p:nvPr>
+        </p:nvPicPr>
+        <p:blipFill>
+          <a:blip r:embed="rId2">
+            <a:extLst>
+              <a:ext uri="{28A0092B-C50C-407E-A947-70E740481C1C}">
+                <a14:useLocalDpi xmlns:a14="http://schemas.microsoft.com/office/drawing/2010/main" val="0"/>
+              </a:ext>
+            </a:extLst>
+          </a:blip>
+          <a:srcRect/>
+          <a:stretch>
+            <a:fillRect/>
+          </a:stretch>
+        </p:blipFill>
+        <p:spPr bwMode="auto">
+          <a:xfrm>
+            <a:off x="250683" y="1539608"/>
+            <a:ext cx="2962728" cy="3426092"/>
+          </a:xfrm>
+          <a:prstGeom prst="rect">
+            <a:avLst/>
+          </a:prstGeom>
+          <a:noFill/>
+          <a:ln>
+            <a:noFill/>
+          </a:ln>
+          <a:effectLst/>
+          <a:extLst>
+            <a:ext uri="{909E8E84-426E-40DD-AFC4-6F175D3DCCD1}">
+              <a14:hiddenFill xmlns:a14="http://schemas.microsoft.com/office/drawing/2010/main">
+                <a:solidFill>
+                  <a:schemeClr val="accent1"/>
+                </a:solidFill>
+              </a14:hiddenFill>
+            </a:ext>
+            <a:ext uri="{91240B29-F687-4F45-9708-019B960494DF}">
+              <a14:hiddenLine xmlns:a14="http://schemas.microsoft.com/office/drawing/2010/main" w="9525">
+                <a:solidFill>
+                  <a:schemeClr val="tx1"/>
+                </a:solidFill>
+                <a:miter lim="800000"/>
+                <a:headEnd/>
+                <a:tailEnd/>
+              </a14:hiddenLine>
+            </a:ext>
+            <a:ext uri="{AF507438-7753-43E0-B8FC-AC1667EBCBE1}">
+              <a14:hiddenEffects xmlns:a14="http://schemas.microsoft.com/office/drawing/2010/main">
+                <a:effectLst>
+                  <a:outerShdw dist="35921" dir="2700000" algn="ctr" rotWithShape="0">
+                    <a:schemeClr val="bg2"/>
+                  </a:outerShdw>
+                </a:effectLst>
+              </a14:hiddenEffects>
+            </a:ext>
+          </a:extLst>
+        </p:spPr>
+      </p:pic>
+      <p:pic>
+        <p:nvPicPr>
+          <p:cNvPr id="7" name="Picture 2"/>
+          <p:cNvPicPr>
+            <a:picLocks noChangeAspect="1" noChangeArrowheads="1"/>
+          </p:cNvPicPr>
+          <p:nvPr/>
+        </p:nvPicPr>
+        <p:blipFill>
+          <a:blip r:embed="rId3">
+            <a:extLst>
+              <a:ext uri="{28A0092B-C50C-407E-A947-70E740481C1C}">
+                <a14:useLocalDpi xmlns:a14="http://schemas.microsoft.com/office/drawing/2010/main" val="0"/>
+              </a:ext>
+            </a:extLst>
+          </a:blip>
+          <a:srcRect/>
+          <a:stretch>
+            <a:fillRect/>
+          </a:stretch>
+        </p:blipFill>
+        <p:spPr bwMode="auto">
+          <a:xfrm>
+            <a:off x="3657599" y="1298308"/>
+            <a:ext cx="8534401" cy="3295726"/>
+          </a:xfrm>
+          <a:prstGeom prst="rect">
+            <a:avLst/>
+          </a:prstGeom>
+          <a:noFill/>
+          <a:ln>
+            <a:noFill/>
+          </a:ln>
+          <a:effectLst/>
+          <a:extLst>
+            <a:ext uri="{909E8E84-426E-40DD-AFC4-6F175D3DCCD1}">
+              <a14:hiddenFill xmlns:a14="http://schemas.microsoft.com/office/drawing/2010/main">
+                <a:solidFill>
+                  <a:schemeClr val="accent1"/>
+                </a:solidFill>
+              </a14:hiddenFill>
+            </a:ext>
+            <a:ext uri="{91240B29-F687-4F45-9708-019B960494DF}">
+              <a14:hiddenLine xmlns:a14="http://schemas.microsoft.com/office/drawing/2010/main" w="9525">
+                <a:solidFill>
+                  <a:schemeClr val="tx1"/>
+                </a:solidFill>
+                <a:miter lim="800000"/>
+                <a:headEnd/>
+                <a:tailEnd/>
+              </a14:hiddenLine>
+            </a:ext>
+            <a:ext uri="{AF507438-7753-43E0-B8FC-AC1667EBCBE1}">
+              <a14:hiddenEffects xmlns:a14="http://schemas.microsoft.com/office/drawing/2010/main">
+                <a:effectLst>
+                  <a:outerShdw dist="35921" dir="2700000" algn="ctr" rotWithShape="0">
+                    <a:schemeClr val="bg2"/>
+                  </a:outerShdw>
+                </a:effectLst>
+              </a14:hiddenEffects>
+            </a:ext>
+          </a:extLst>
+        </p:spPr>
+      </p:pic>
+      <p:sp>
+        <p:nvSpPr>
+          <p:cNvPr id="4" name="TextBox 3"/>
+          <p:cNvSpPr txBox="1"/>
+          <p:nvPr/>
+        </p:nvSpPr>
+        <p:spPr>
+          <a:xfrm>
+            <a:off x="422846" y="5154142"/>
+            <a:ext cx="2583965" cy="461665"/>
+          </a:xfrm>
+          <a:prstGeom prst="rect">
+            <a:avLst/>
+          </a:prstGeom>
+          <a:noFill/>
+        </p:spPr>
+        <p:txBody>
+          <a:bodyPr wrap="square" rtlCol="0">
+            <a:spAutoFit/>
+          </a:bodyPr>
+          <a:lstStyle/>
+          <a:p>
+            <a:r>
+              <a:rPr lang="ru-RU" sz="2400" dirty="0" smtClean="0">
+                <a:latin typeface="Arial" panose="020B0604020202020204" pitchFamily="34" charset="0"/>
+                <a:cs typeface="Arial" panose="020B0604020202020204" pitchFamily="34" charset="0"/>
+              </a:rPr>
+              <a:t>Форма профиля</a:t>
+            </a:r>
+            <a:endParaRPr lang="ru-RU" sz="2400" dirty="0">
+              <a:latin typeface="Arial" panose="020B0604020202020204" pitchFamily="34" charset="0"/>
+              <a:cs typeface="Arial" panose="020B0604020202020204" pitchFamily="34" charset="0"/>
+            </a:endParaRPr>
+          </a:p>
+        </p:txBody>
+      </p:sp>
+      <p:sp>
+        <p:nvSpPr>
+          <p:cNvPr id="5" name="TextBox 4"/>
+          <p:cNvSpPr txBox="1"/>
+          <p:nvPr/>
+        </p:nvSpPr>
+        <p:spPr>
+          <a:xfrm>
+            <a:off x="5565858" y="4847281"/>
+            <a:ext cx="4717881" cy="461665"/>
+          </a:xfrm>
+          <a:prstGeom prst="rect">
+            <a:avLst/>
+          </a:prstGeom>
+          <a:noFill/>
+        </p:spPr>
+        <p:txBody>
+          <a:bodyPr wrap="square" rtlCol="0">
+            <a:spAutoFit/>
+          </a:bodyPr>
+          <a:lstStyle/>
+          <a:p>
+            <a:r>
+              <a:rPr lang="ru-RU" sz="2400" dirty="0" smtClean="0">
+                <a:latin typeface="Arial" panose="020B0604020202020204" pitchFamily="34" charset="0"/>
+                <a:cs typeface="Arial" panose="020B0604020202020204" pitchFamily="34" charset="0"/>
+              </a:rPr>
+              <a:t>Форма конечного пользователя</a:t>
+            </a:r>
+            <a:endParaRPr lang="ru-RU" sz="2400" dirty="0">
+              <a:latin typeface="Arial" panose="020B0604020202020204" pitchFamily="34" charset="0"/>
+              <a:cs typeface="Arial" panose="020B0604020202020204" pitchFamily="34" charset="0"/>
+            </a:endParaRPr>
+          </a:p>
+        </p:txBody>
+      </p:sp>
+    </p:spTree>
+    <p:extLst>
+      <p:ext uri="{BB962C8B-B14F-4D97-AF65-F5344CB8AC3E}">
+        <p14:creationId xmlns:p14="http://schemas.microsoft.com/office/powerpoint/2010/main" val="1666285873"/>
+      </p:ext>
+    </p:extLst>
+  </p:cSld>
+  <p:clrMapOvr>
+    <a:masterClrMapping/>
+  </p:clrMapOvr>
+</p:sld>
+</file>
+
+<file path=ppt/slides/slide15.xml><?xml version="1.0" encoding="utf-8"?>
+<p:sld xmlns:a="http://schemas.openxmlformats.org/drawingml/2006/main" xmlns:r="http://schemas.openxmlformats.org/officeDocument/2006/relationships" xmlns:p="http://schemas.openxmlformats.org/presentationml/2006/main">
+  <p:cSld>
+    <p:spTree>
+      <p:nvGrpSpPr>
+        <p:cNvPr id="1" name=""/>
+        <p:cNvGrpSpPr/>
+        <p:nvPr/>
+      </p:nvGrpSpPr>
+      <p:grpSpPr>
+        <a:xfrm>
+          <a:off x="0" y="0"/>
+          <a:ext cx="0" cy="0"/>
+          <a:chOff x="0" y="0"/>
+          <a:chExt cx="0" cy="0"/>
+        </a:xfrm>
+      </p:grpSpPr>
+      <p:sp>
+        <p:nvSpPr>
+          <p:cNvPr id="2" name="Заголовок 1"/>
+          <p:cNvSpPr>
+            <a:spLocks noGrp="1"/>
+          </p:cNvSpPr>
+          <p:nvPr>
+            <p:ph type="title"/>
+          </p:nvPr>
+        </p:nvSpPr>
+        <p:spPr>
+          <a:xfrm>
+            <a:off x="306388" y="215901"/>
+            <a:ext cx="10131425" cy="787400"/>
+          </a:xfrm>
+        </p:spPr>
+        <p:txBody>
+          <a:bodyPr/>
+          <a:lstStyle/>
+          <a:p>
+            <a:r>
+              <a:rPr lang="ru-RU" dirty="0">
+                <a:latin typeface="Arial" panose="020B0604020202020204" pitchFamily="34" charset="0"/>
+                <a:cs typeface="Arial" panose="020B0604020202020204" pitchFamily="34" charset="0"/>
+              </a:rPr>
+              <a:t>Создание Клиентской части</a:t>
+            </a:r>
+            <a:endParaRPr lang="ru-RU" dirty="0"/>
+          </a:p>
+        </p:txBody>
+      </p:sp>
+      <p:pic>
+        <p:nvPicPr>
+          <p:cNvPr id="6146" name="Picture 2"/>
+          <p:cNvPicPr>
+            <a:picLocks noChangeAspect="1" noChangeArrowheads="1"/>
+          </p:cNvPicPr>
+          <p:nvPr/>
+        </p:nvPicPr>
+        <p:blipFill>
+          <a:blip r:embed="rId2">
+            <a:extLst>
+              <a:ext uri="{28A0092B-C50C-407E-A947-70E740481C1C}">
+                <a14:useLocalDpi xmlns:a14="http://schemas.microsoft.com/office/drawing/2010/main" val="0"/>
+              </a:ext>
+            </a:extLst>
+          </a:blip>
+          <a:srcRect/>
+          <a:stretch>
+            <a:fillRect/>
+          </a:stretch>
+        </p:blipFill>
+        <p:spPr bwMode="auto">
+          <a:xfrm>
+            <a:off x="65903" y="1209251"/>
+            <a:ext cx="5895122" cy="2895600"/>
+          </a:xfrm>
+          <a:prstGeom prst="rect">
+            <a:avLst/>
+          </a:prstGeom>
+          <a:noFill/>
+          <a:ln>
+            <a:noFill/>
+          </a:ln>
+          <a:effectLst/>
+          <a:extLst>
+            <a:ext uri="{909E8E84-426E-40DD-AFC4-6F175D3DCCD1}">
+              <a14:hiddenFill xmlns:a14="http://schemas.microsoft.com/office/drawing/2010/main">
+                <a:solidFill>
+                  <a:schemeClr val="accent1"/>
+                </a:solidFill>
+              </a14:hiddenFill>
+            </a:ext>
+            <a:ext uri="{91240B29-F687-4F45-9708-019B960494DF}">
+              <a14:hiddenLine xmlns:a14="http://schemas.microsoft.com/office/drawing/2010/main" w="9525">
+                <a:solidFill>
+                  <a:schemeClr val="tx1"/>
+                </a:solidFill>
+                <a:miter lim="800000"/>
+                <a:headEnd/>
+                <a:tailEnd/>
+              </a14:hiddenLine>
+            </a:ext>
+            <a:ext uri="{AF507438-7753-43E0-B8FC-AC1667EBCBE1}">
+              <a14:hiddenEffects xmlns:a14="http://schemas.microsoft.com/office/drawing/2010/main">
+                <a:effectLst>
+                  <a:outerShdw dist="35921" dir="2700000" algn="ctr" rotWithShape="0">
+                    <a:schemeClr val="bg2"/>
+                  </a:outerShdw>
+                </a:effectLst>
+              </a14:hiddenEffects>
+            </a:ext>
+          </a:extLst>
+        </p:spPr>
+      </p:pic>
+      <p:pic>
+        <p:nvPicPr>
+          <p:cNvPr id="5" name="Picture 3"/>
+          <p:cNvPicPr>
+            <a:picLocks noChangeAspect="1" noChangeArrowheads="1"/>
+          </p:cNvPicPr>
+          <p:nvPr/>
+        </p:nvPicPr>
+        <p:blipFill>
+          <a:blip r:embed="rId3">
+            <a:extLst>
+              <a:ext uri="{28A0092B-C50C-407E-A947-70E740481C1C}">
+                <a14:useLocalDpi xmlns:a14="http://schemas.microsoft.com/office/drawing/2010/main" val="0"/>
+              </a:ext>
+            </a:extLst>
+          </a:blip>
+          <a:srcRect/>
+          <a:stretch>
+            <a:fillRect/>
+          </a:stretch>
+        </p:blipFill>
+        <p:spPr bwMode="auto">
+          <a:xfrm>
+            <a:off x="6137190" y="3985653"/>
+            <a:ext cx="6021858" cy="2735882"/>
+          </a:xfrm>
+          <a:prstGeom prst="rect">
+            <a:avLst/>
+          </a:prstGeom>
+          <a:noFill/>
+          <a:ln>
+            <a:noFill/>
+          </a:ln>
+          <a:effectLst/>
+          <a:extLst>
+            <a:ext uri="{909E8E84-426E-40DD-AFC4-6F175D3DCCD1}">
+              <a14:hiddenFill xmlns:a14="http://schemas.microsoft.com/office/drawing/2010/main">
+                <a:solidFill>
+                  <a:schemeClr val="accent1"/>
+                </a:solidFill>
+              </a14:hiddenFill>
+            </a:ext>
+            <a:ext uri="{91240B29-F687-4F45-9708-019B960494DF}">
+              <a14:hiddenLine xmlns:a14="http://schemas.microsoft.com/office/drawing/2010/main" w="9525">
+                <a:solidFill>
+                  <a:schemeClr val="tx1"/>
+                </a:solidFill>
+                <a:miter lim="800000"/>
+                <a:headEnd/>
+                <a:tailEnd/>
+              </a14:hiddenLine>
+            </a:ext>
+            <a:ext uri="{AF507438-7753-43E0-B8FC-AC1667EBCBE1}">
+              <a14:hiddenEffects xmlns:a14="http://schemas.microsoft.com/office/drawing/2010/main">
+                <a:effectLst>
+                  <a:outerShdw dist="35921" dir="2700000" algn="ctr" rotWithShape="0">
+                    <a:schemeClr val="bg2"/>
+                  </a:outerShdw>
+                </a:effectLst>
+              </a14:hiddenEffects>
+            </a:ext>
+          </a:extLst>
+        </p:spPr>
+      </p:pic>
+      <p:sp>
+        <p:nvSpPr>
+          <p:cNvPr id="3" name="TextBox 2"/>
+          <p:cNvSpPr txBox="1"/>
+          <p:nvPr/>
+        </p:nvSpPr>
+        <p:spPr>
+          <a:xfrm>
+            <a:off x="1588317" y="4109223"/>
+            <a:ext cx="2850293" cy="461665"/>
+          </a:xfrm>
+          <a:prstGeom prst="rect">
+            <a:avLst/>
+          </a:prstGeom>
+          <a:noFill/>
+        </p:spPr>
+        <p:txBody>
+          <a:bodyPr wrap="square" rtlCol="0">
+            <a:spAutoFit/>
+          </a:bodyPr>
+          <a:lstStyle/>
+          <a:p>
+            <a:r>
+              <a:rPr lang="ru-RU" sz="2400" dirty="0" smtClean="0">
+                <a:latin typeface="Arial" panose="020B0604020202020204" pitchFamily="34" charset="0"/>
+                <a:cs typeface="Arial" panose="020B0604020202020204" pitchFamily="34" charset="0"/>
+              </a:rPr>
+              <a:t>Форма Оператора</a:t>
+            </a:r>
+            <a:endParaRPr lang="ru-RU" sz="2400" dirty="0">
+              <a:latin typeface="Arial" panose="020B0604020202020204" pitchFamily="34" charset="0"/>
+              <a:cs typeface="Arial" panose="020B0604020202020204" pitchFamily="34" charset="0"/>
+            </a:endParaRPr>
+          </a:p>
+        </p:txBody>
+      </p:sp>
+      <p:sp>
+        <p:nvSpPr>
+          <p:cNvPr id="6" name="TextBox 5"/>
+          <p:cNvSpPr txBox="1"/>
+          <p:nvPr/>
+        </p:nvSpPr>
+        <p:spPr>
+          <a:xfrm>
+            <a:off x="7722973" y="3464007"/>
+            <a:ext cx="2850291" cy="461665"/>
+          </a:xfrm>
+          <a:prstGeom prst="rect">
+            <a:avLst/>
+          </a:prstGeom>
+          <a:noFill/>
+        </p:spPr>
+        <p:txBody>
+          <a:bodyPr wrap="square" rtlCol="0">
+            <a:spAutoFit/>
+          </a:bodyPr>
+          <a:lstStyle/>
+          <a:p>
+            <a:r>
+              <a:rPr lang="ru-RU" sz="2400" dirty="0" smtClean="0">
+                <a:latin typeface="Arial" panose="020B0604020202020204" pitchFamily="34" charset="0"/>
+                <a:cs typeface="Arial" panose="020B0604020202020204" pitchFamily="34" charset="0"/>
+              </a:rPr>
+              <a:t>Форма Командира </a:t>
+            </a:r>
+            <a:endParaRPr lang="ru-RU" sz="2400" dirty="0">
+              <a:latin typeface="Arial" panose="020B0604020202020204" pitchFamily="34" charset="0"/>
+              <a:cs typeface="Arial" panose="020B0604020202020204" pitchFamily="34" charset="0"/>
+            </a:endParaRPr>
+          </a:p>
+        </p:txBody>
+      </p:sp>
+    </p:spTree>
+    <p:extLst>
+      <p:ext uri="{BB962C8B-B14F-4D97-AF65-F5344CB8AC3E}">
+        <p14:creationId xmlns:p14="http://schemas.microsoft.com/office/powerpoint/2010/main" val="2238562813"/>
+      </p:ext>
+    </p:extLst>
+  </p:cSld>
+  <p:clrMapOvr>
+    <a:masterClrMapping/>
+  </p:clrMapOvr>
+</p:sld>
+</file>
+
+<file path=ppt/slides/slide16.xml><?xml version="1.0" encoding="utf-8"?>
+<p:sld xmlns:a="http://schemas.openxmlformats.org/drawingml/2006/main" xmlns:r="http://schemas.openxmlformats.org/officeDocument/2006/relationships" xmlns:p="http://schemas.openxmlformats.org/presentationml/2006/main">
+  <p:cSld>
+    <p:spTree>
+      <p:nvGrpSpPr>
+        <p:cNvPr id="1" name=""/>
+        <p:cNvGrpSpPr/>
+        <p:nvPr/>
+      </p:nvGrpSpPr>
+      <p:grpSpPr>
+        <a:xfrm>
+          <a:off x="0" y="0"/>
+          <a:ext cx="0" cy="0"/>
+          <a:chOff x="0" y="0"/>
+          <a:chExt cx="0" cy="0"/>
+        </a:xfrm>
+      </p:grpSpPr>
+      <p:sp>
+        <p:nvSpPr>
+          <p:cNvPr id="2" name="Заголовок 1"/>
+          <p:cNvSpPr>
+            <a:spLocks noGrp="1"/>
+          </p:cNvSpPr>
+          <p:nvPr>
+            <p:ph type="title"/>
+          </p:nvPr>
+        </p:nvSpPr>
+        <p:spPr>
+          <a:xfrm>
+            <a:off x="495301" y="203201"/>
+            <a:ext cx="10131425" cy="812800"/>
+          </a:xfrm>
+        </p:spPr>
+        <p:txBody>
+          <a:bodyPr/>
+          <a:lstStyle/>
+          <a:p>
+            <a:r>
+              <a:rPr lang="ru-RU" dirty="0">
+                <a:latin typeface="Arial" panose="020B0604020202020204" pitchFamily="34" charset="0"/>
+                <a:cs typeface="Arial" panose="020B0604020202020204" pitchFamily="34" charset="0"/>
+              </a:rPr>
+              <a:t>Создание Клиентской части</a:t>
+            </a:r>
+            <a:endParaRPr lang="ru-RU" dirty="0"/>
+          </a:p>
+        </p:txBody>
+      </p:sp>
+      <p:pic>
+        <p:nvPicPr>
+          <p:cNvPr id="7171" name="Picture 3"/>
+          <p:cNvPicPr>
+            <a:picLocks noGrp="1" noChangeAspect="1" noChangeArrowheads="1"/>
+          </p:cNvPicPr>
+          <p:nvPr>
+            <p:ph idx="1"/>
+          </p:nvPr>
+        </p:nvPicPr>
+        <p:blipFill>
+          <a:blip r:embed="rId2">
+            <a:extLst>
+              <a:ext uri="{28A0092B-C50C-407E-A947-70E740481C1C}">
+                <a14:useLocalDpi xmlns:a14="http://schemas.microsoft.com/office/drawing/2010/main" val="0"/>
+              </a:ext>
+            </a:extLst>
+          </a:blip>
+          <a:srcRect/>
+          <a:stretch>
+            <a:fillRect/>
+          </a:stretch>
+        </p:blipFill>
+        <p:spPr bwMode="auto">
+          <a:xfrm>
+            <a:off x="1230863" y="1139569"/>
+            <a:ext cx="9354673" cy="4643394"/>
+          </a:xfrm>
+          <a:prstGeom prst="rect">
+            <a:avLst/>
+          </a:prstGeom>
+          <a:noFill/>
+          <a:ln>
+            <a:noFill/>
+          </a:ln>
+          <a:effectLst/>
+          <a:extLst>
+            <a:ext uri="{909E8E84-426E-40DD-AFC4-6F175D3DCCD1}">
+              <a14:hiddenFill xmlns:a14="http://schemas.microsoft.com/office/drawing/2010/main">
+                <a:solidFill>
+                  <a:schemeClr val="accent1"/>
+                </a:solidFill>
+              </a14:hiddenFill>
+            </a:ext>
+            <a:ext uri="{91240B29-F687-4F45-9708-019B960494DF}">
+              <a14:hiddenLine xmlns:a14="http://schemas.microsoft.com/office/drawing/2010/main" w="9525">
+                <a:solidFill>
+                  <a:schemeClr val="tx1"/>
+                </a:solidFill>
+                <a:miter lim="800000"/>
+                <a:headEnd/>
+                <a:tailEnd/>
+              </a14:hiddenLine>
+            </a:ext>
+            <a:ext uri="{AF507438-7753-43E0-B8FC-AC1667EBCBE1}">
+              <a14:hiddenEffects xmlns:a14="http://schemas.microsoft.com/office/drawing/2010/main">
+                <a:effectLst>
+                  <a:outerShdw dist="35921" dir="2700000" algn="ctr" rotWithShape="0">
+                    <a:schemeClr val="bg2"/>
+                  </a:outerShdw>
+                </a:effectLst>
+              </a14:hiddenEffects>
+            </a:ext>
+          </a:extLst>
+        </p:spPr>
+      </p:pic>
+      <p:sp>
+        <p:nvSpPr>
+          <p:cNvPr id="3" name="TextBox 2"/>
+          <p:cNvSpPr txBox="1"/>
+          <p:nvPr/>
+        </p:nvSpPr>
+        <p:spPr>
+          <a:xfrm>
+            <a:off x="4275779" y="5930016"/>
+            <a:ext cx="3649019" cy="461665"/>
+          </a:xfrm>
+          <a:prstGeom prst="rect">
+            <a:avLst/>
+          </a:prstGeom>
+          <a:noFill/>
+        </p:spPr>
+        <p:txBody>
+          <a:bodyPr wrap="square" rtlCol="0">
+            <a:spAutoFit/>
+          </a:bodyPr>
+          <a:lstStyle/>
+          <a:p>
+            <a:r>
+              <a:rPr lang="ru-RU" sz="2400" dirty="0" smtClean="0">
+                <a:latin typeface="Arial" panose="020B0604020202020204" pitchFamily="34" charset="0"/>
+                <a:cs typeface="Arial" panose="020B0604020202020204" pitchFamily="34" charset="0"/>
+              </a:rPr>
+              <a:t>Форма Администратора</a:t>
+            </a:r>
+            <a:endParaRPr lang="ru-RU" sz="2400" dirty="0">
+              <a:latin typeface="Arial" panose="020B0604020202020204" pitchFamily="34" charset="0"/>
+              <a:cs typeface="Arial" panose="020B0604020202020204" pitchFamily="34" charset="0"/>
+            </a:endParaRPr>
+          </a:p>
+        </p:txBody>
+      </p:sp>
+    </p:spTree>
+    <p:extLst>
+      <p:ext uri="{BB962C8B-B14F-4D97-AF65-F5344CB8AC3E}">
+        <p14:creationId xmlns:p14="http://schemas.microsoft.com/office/powerpoint/2010/main" val="3135254276"/>
+      </p:ext>
+    </p:extLst>
+  </p:cSld>
+  <p:clrMapOvr>
+    <a:masterClrMapping/>
+  </p:clrMapOvr>
+</p:sld>
+</file>
+
+<file path=ppt/slides/slide17.xml><?xml version="1.0" encoding="utf-8"?>
+<p:sld xmlns:a="http://schemas.openxmlformats.org/drawingml/2006/main" xmlns:r="http://schemas.openxmlformats.org/officeDocument/2006/relationships" xmlns:p="http://schemas.openxmlformats.org/presentationml/2006/main">
+  <p:cSld>
+    <p:spTree>
+      <p:nvGrpSpPr>
+        <p:cNvPr id="1" name=""/>
+        <p:cNvGrpSpPr/>
+        <p:nvPr/>
+      </p:nvGrpSpPr>
+      <p:grpSpPr>
+        <a:xfrm>
+          <a:off x="0" y="0"/>
+          <a:ext cx="0" cy="0"/>
+          <a:chOff x="0" y="0"/>
+          <a:chExt cx="0" cy="0"/>
+        </a:xfrm>
+      </p:grpSpPr>
+      <p:sp>
+        <p:nvSpPr>
+          <p:cNvPr id="2" name="Заголовок 1">
+            <a:extLst>
+              <a:ext uri="{FF2B5EF4-FFF2-40B4-BE49-F238E27FC236}">
+                <a16:creationId xmlns:a16="http://schemas.microsoft.com/office/drawing/2014/main" xmlns="" id="{108AAA93-89DC-85F3-D79B-D543D5BB671A}"/>
+              </a:ext>
+            </a:extLst>
+          </p:cNvPr>
+          <p:cNvSpPr>
+            <a:spLocks noGrp="1"/>
+          </p:cNvSpPr>
+          <p:nvPr>
+            <p:ph type="title"/>
+          </p:nvPr>
+        </p:nvSpPr>
+        <p:spPr>
+          <a:xfrm>
+            <a:off x="685801" y="238898"/>
+            <a:ext cx="10131425" cy="700215"/>
+          </a:xfrm>
+        </p:spPr>
+        <p:txBody>
+          <a:bodyPr/>
+          <a:lstStyle/>
+          <a:p>
+            <a:r>
+              <a:rPr lang="ru-RU" dirty="0">
+                <a:latin typeface="Arial" panose="020B0604020202020204" pitchFamily="34" charset="0"/>
+                <a:cs typeface="Arial" panose="020B0604020202020204" pitchFamily="34" charset="0"/>
+              </a:rPr>
+              <a:t>Заключение</a:t>
+            </a:r>
+          </a:p>
+        </p:txBody>
+      </p:sp>
+      <p:sp>
+        <p:nvSpPr>
+          <p:cNvPr id="3" name="Объект 2">
+            <a:extLst>
+              <a:ext uri="{FF2B5EF4-FFF2-40B4-BE49-F238E27FC236}">
+                <a16:creationId xmlns:a16="http://schemas.microsoft.com/office/drawing/2014/main" xmlns="" id="{39ECB8B0-C35F-6F43-E1C1-9FDBC19FB8A0}"/>
+              </a:ext>
+            </a:extLst>
+          </p:cNvPr>
+          <p:cNvSpPr>
+            <a:spLocks noGrp="1"/>
+          </p:cNvSpPr>
+          <p:nvPr>
+            <p:ph idx="1"/>
+          </p:nvPr>
+        </p:nvSpPr>
+        <p:spPr>
+          <a:xfrm>
+            <a:off x="685801" y="939114"/>
+            <a:ext cx="10131425" cy="5222790"/>
+          </a:xfrm>
+        </p:spPr>
+        <p:txBody>
+          <a:bodyPr anchor="t">
+            <a:normAutofit/>
+          </a:bodyPr>
+          <a:lstStyle/>
+          <a:p>
+            <a:pPr marL="0" indent="457200" algn="just">
+              <a:lnSpc>
+                <a:spcPct val="150000"/>
+              </a:lnSpc>
+              <a:spcAft>
+                <a:spcPts val="0"/>
+              </a:spcAft>
+              <a:buNone/>
+            </a:pPr>
+            <a:r>
+              <a:rPr lang="ru-RU" dirty="0">
+                <a:latin typeface="Arial" pitchFamily="34" charset="0"/>
+                <a:cs typeface="Arial" pitchFamily="34" charset="0"/>
+              </a:rPr>
+              <a:t>В результате учебной практики был проведен анализ предметной области, спроектирована и разработана информационная система </a:t>
+            </a:r>
+            <a:r>
+              <a:rPr lang="ru-RU" dirty="0" smtClean="0">
+                <a:latin typeface="Arial" pitchFamily="34" charset="0"/>
+                <a:cs typeface="Arial" pitchFamily="34" charset="0"/>
+              </a:rPr>
+              <a:t>«Охрана квартир», </a:t>
+            </a:r>
+            <a:r>
+              <a:rPr lang="ru-RU" dirty="0">
+                <a:latin typeface="Arial" pitchFamily="34" charset="0"/>
+                <a:cs typeface="Arial" pitchFamily="34" charset="0"/>
+              </a:rPr>
+              <a:t>серверная часть которой была реализована в MS SQL, а клиентская часть в </a:t>
+            </a:r>
+            <a:r>
+              <a:rPr lang="en-US" dirty="0">
+                <a:latin typeface="Arial" pitchFamily="34" charset="0"/>
+                <a:cs typeface="Arial" pitchFamily="34" charset="0"/>
+              </a:rPr>
+              <a:t>MS Visual </a:t>
+            </a:r>
+            <a:r>
+              <a:rPr lang="en-US" dirty="0" smtClean="0">
+                <a:latin typeface="Arial" pitchFamily="34" charset="0"/>
+                <a:cs typeface="Arial" pitchFamily="34" charset="0"/>
+              </a:rPr>
+              <a:t>Studios</a:t>
+            </a:r>
+            <a:r>
+              <a:rPr lang="ru-RU" dirty="0" smtClean="0">
+                <a:latin typeface="Arial" pitchFamily="34" charset="0"/>
+                <a:cs typeface="Arial" pitchFamily="34" charset="0"/>
+              </a:rPr>
+              <a:t>.</a:t>
+            </a:r>
+            <a:r>
+              <a:rPr lang="en-US" dirty="0" smtClean="0">
+                <a:latin typeface="Arial" pitchFamily="34" charset="0"/>
+                <a:cs typeface="Arial" pitchFamily="34" charset="0"/>
+              </a:rPr>
+              <a:t> </a:t>
+            </a:r>
+            <a:endParaRPr lang="ru-RU" dirty="0">
+              <a:latin typeface="Arial" pitchFamily="34" charset="0"/>
+              <a:cs typeface="Arial" pitchFamily="34" charset="0"/>
+            </a:endParaRPr>
+          </a:p>
+          <a:p>
+            <a:pPr marL="0" indent="457200" algn="just">
+              <a:lnSpc>
+                <a:spcPct val="150000"/>
+              </a:lnSpc>
+              <a:spcAft>
+                <a:spcPts val="0"/>
+              </a:spcAft>
+              <a:buNone/>
+            </a:pPr>
+            <a:r>
+              <a:rPr lang="ru-RU" dirty="0">
+                <a:latin typeface="Arial" pitchFamily="34" charset="0"/>
+                <a:cs typeface="Arial" pitchFamily="34" charset="0"/>
+              </a:rPr>
+              <a:t>Цель учебной практики были достигнуты путем проектирования и </a:t>
+            </a:r>
+            <a:r>
+              <a:rPr lang="ru-RU" dirty="0" err="1">
+                <a:latin typeface="Arial" pitchFamily="34" charset="0"/>
+                <a:cs typeface="Arial" pitchFamily="34" charset="0"/>
+              </a:rPr>
+              <a:t>прототипирования</a:t>
+            </a:r>
+            <a:r>
+              <a:rPr lang="ru-RU" dirty="0">
+                <a:latin typeface="Arial" pitchFamily="34" charset="0"/>
+                <a:cs typeface="Arial" pitchFamily="34" charset="0"/>
+              </a:rPr>
+              <a:t> информационной системы и интеграции программных модулей.</a:t>
+            </a:r>
+          </a:p>
+          <a:p>
+            <a:pPr marL="0" indent="457200" algn="just">
+              <a:lnSpc>
+                <a:spcPct val="150000"/>
+              </a:lnSpc>
+              <a:spcAft>
+                <a:spcPts val="0"/>
+              </a:spcAft>
+              <a:buNone/>
+            </a:pPr>
+            <a:r>
+              <a:rPr lang="ru-RU" dirty="0" smtClean="0">
+                <a:latin typeface="Arial" pitchFamily="34" charset="0"/>
+                <a:cs typeface="Arial" pitchFamily="34" charset="0"/>
+              </a:rPr>
+              <a:t>Это </a:t>
+            </a:r>
+            <a:r>
+              <a:rPr lang="ru-RU" dirty="0">
+                <a:latin typeface="Arial" panose="020B0604020202020204" pitchFamily="34" charset="0"/>
+                <a:cs typeface="Arial" panose="020B0604020202020204" pitchFamily="34" charset="0"/>
+              </a:rPr>
+              <a:t>позволяет сделать вывод, что поставленные цели и задачи выполнены в полном </a:t>
+            </a:r>
+            <a:r>
+              <a:rPr lang="ru-RU" dirty="0" smtClean="0">
+                <a:latin typeface="Arial" panose="020B0604020202020204" pitchFamily="34" charset="0"/>
+                <a:cs typeface="Arial" panose="020B0604020202020204" pitchFamily="34" charset="0"/>
+              </a:rPr>
+              <a:t>объеме. </a:t>
+            </a:r>
+          </a:p>
+          <a:p>
+            <a:pPr marL="0" indent="457200" algn="just">
+              <a:lnSpc>
+                <a:spcPct val="150000"/>
+              </a:lnSpc>
+              <a:spcAft>
+                <a:spcPts val="0"/>
+              </a:spcAft>
+              <a:buNone/>
+            </a:pPr>
+            <a:r>
+              <a:rPr lang="ru-RU" dirty="0" smtClean="0">
+                <a:latin typeface="Arial" panose="020B0604020202020204" pitchFamily="34" charset="0"/>
+                <a:cs typeface="Arial" panose="020B0604020202020204" pitchFamily="34" charset="0"/>
+              </a:rPr>
+              <a:t>В </a:t>
+            </a:r>
+            <a:r>
+              <a:rPr lang="ru-RU" dirty="0">
+                <a:latin typeface="Arial" panose="020B0604020202020204" pitchFamily="34" charset="0"/>
+                <a:cs typeface="Arial" panose="020B0604020202020204" pitchFamily="34" charset="0"/>
+              </a:rPr>
+              <a:t>дальнейшем данная информационная система может быть модернизирована путем создания версии для слабовидящих людей, создания возможности расширить форму на полный экран или улучшения и изменения дизайна</a:t>
+            </a:r>
+            <a:r>
+              <a:rPr lang="ru-RU" dirty="0" smtClean="0">
+                <a:latin typeface="Arial" panose="020B0604020202020204" pitchFamily="34" charset="0"/>
+                <a:cs typeface="Arial" panose="020B0604020202020204" pitchFamily="34" charset="0"/>
+              </a:rPr>
+              <a:t>.</a:t>
+            </a:r>
+          </a:p>
+          <a:p>
+            <a:pPr marL="0" indent="457200" algn="just">
+              <a:lnSpc>
+                <a:spcPct val="150000"/>
+              </a:lnSpc>
+              <a:spcAft>
+                <a:spcPts val="0"/>
+              </a:spcAft>
+              <a:buNone/>
+            </a:pPr>
+            <a:endParaRPr lang="ru-RU" sz="2000" dirty="0">
+              <a:latin typeface="Arial" panose="020B0604020202020204" pitchFamily="34" charset="0"/>
+              <a:cs typeface="Arial" panose="020B0604020202020204" pitchFamily="34" charset="0"/>
+            </a:endParaRPr>
+          </a:p>
+        </p:txBody>
+      </p:sp>
+    </p:spTree>
+    <p:extLst>
+      <p:ext uri="{BB962C8B-B14F-4D97-AF65-F5344CB8AC3E}">
+        <p14:creationId xmlns:p14="http://schemas.microsoft.com/office/powerpoint/2010/main" val="1131922483"/>
+      </p:ext>
+    </p:extLst>
+  </p:cSld>
+  <p:clrMapOvr>
+    <a:masterClrMapping/>
+  </p:clrMapOvr>
+</p:sld>
+</file>
+
+<file path=ppt/slides/slide18.xml><?xml version="1.0" encoding="utf-8"?>
+<p:sld xmlns:a="http://schemas.openxmlformats.org/drawingml/2006/main" xmlns:r="http://schemas.openxmlformats.org/officeDocument/2006/relationships" xmlns:p="http://schemas.openxmlformats.org/presentationml/2006/main">
+  <p:cSld>
+    <p:spTree>
+      <p:nvGrpSpPr>
+        <p:cNvPr id="1" name=""/>
+        <p:cNvGrpSpPr/>
+        <p:nvPr/>
+      </p:nvGrpSpPr>
+      <p:grpSpPr>
+        <a:xfrm>
+          <a:off x="0" y="0"/>
+          <a:ext cx="0" cy="0"/>
+          <a:chOff x="0" y="0"/>
+          <a:chExt cx="0" cy="0"/>
+        </a:xfrm>
+      </p:grpSpPr>
+      <p:sp>
+        <p:nvSpPr>
+          <p:cNvPr id="2" name="Заголовок 1">
+            <a:extLst>
+              <a:ext uri="{FF2B5EF4-FFF2-40B4-BE49-F238E27FC236}">
+                <a16:creationId xmlns:a16="http://schemas.microsoft.com/office/drawing/2014/main" xmlns="" id="{340C7600-5BA8-4A54-887F-74AF87750A31}"/>
               </a:ext>
             </a:extLst>
           </p:cNvPr>
@@ -7898,7 +10160,7 @@
           <p:cNvPr id="3" name="Подзаголовок 2">
             <a:extLst>
               <a:ext uri="{FF2B5EF4-FFF2-40B4-BE49-F238E27FC236}">
-                <a16:creationId xmlns:a16="http://schemas.microsoft.com/office/drawing/2014/main" id="{AE584786-6548-4BB4-95FD-977AD1F362C6}"/>
+                <a16:creationId xmlns:a16="http://schemas.microsoft.com/office/drawing/2014/main" xmlns="" id="{AE584786-6548-4BB4-95FD-977AD1F362C6}"/>
               </a:ext>
             </a:extLst>
           </p:cNvPr>
@@ -7947,7 +10209,7 @@
           <p:cNvPr id="4" name="TextBox 3">
             <a:extLst>
               <a:ext uri="{FF2B5EF4-FFF2-40B4-BE49-F238E27FC236}">
-                <a16:creationId xmlns:a16="http://schemas.microsoft.com/office/drawing/2014/main" id="{207C03AD-1883-DA41-411C-B2065630D170}"/>
+                <a16:creationId xmlns:a16="http://schemas.microsoft.com/office/drawing/2014/main" xmlns="" id="{207C03AD-1883-DA41-411C-B2065630D170}"/>
               </a:ext>
             </a:extLst>
           </p:cNvPr>
@@ -8026,7 +10288,7 @@
           <p:cNvPr id="6" name="TextBox 5">
             <a:extLst>
               <a:ext uri="{FF2B5EF4-FFF2-40B4-BE49-F238E27FC236}">
-                <a16:creationId xmlns:a16="http://schemas.microsoft.com/office/drawing/2014/main" id="{7DE824F7-B6E1-7481-5717-C82756DCB3B6}"/>
+                <a16:creationId xmlns:a16="http://schemas.microsoft.com/office/drawing/2014/main" xmlns="" id="{7DE824F7-B6E1-7481-5717-C82756DCB3B6}"/>
               </a:ext>
             </a:extLst>
           </p:cNvPr>
@@ -8089,7 +10351,7 @@
           <p:cNvPr id="7" name="Прямая соединительная линия 6">
             <a:extLst>
               <a:ext uri="{FF2B5EF4-FFF2-40B4-BE49-F238E27FC236}">
-                <a16:creationId xmlns:a16="http://schemas.microsoft.com/office/drawing/2014/main" id="{C6A4B200-DA4E-FEFD-BD3D-024C39216D4C}"/>
+                <a16:creationId xmlns:a16="http://schemas.microsoft.com/office/drawing/2014/main" xmlns="" id="{C6A4B200-DA4E-FEFD-BD3D-024C39216D4C}"/>
               </a:ext>
             </a:extLst>
           </p:cNvPr>
@@ -8134,7 +10396,7 @@
           <p:cNvPr id="8" name="TextBox 7">
             <a:extLst>
               <a:ext uri="{FF2B5EF4-FFF2-40B4-BE49-F238E27FC236}">
-                <a16:creationId xmlns:a16="http://schemas.microsoft.com/office/drawing/2014/main" id="{B5965E5F-B822-8170-1C69-73CC3C5F54CD}"/>
+                <a16:creationId xmlns:a16="http://schemas.microsoft.com/office/drawing/2014/main" xmlns="" id="{B5965E5F-B822-8170-1C69-73CC3C5F54CD}"/>
               </a:ext>
             </a:extLst>
           </p:cNvPr>
@@ -8182,7 +10444,7 @@
           <p:cNvPr id="9" name="Прямая соединительная линия 8">
             <a:extLst>
               <a:ext uri="{FF2B5EF4-FFF2-40B4-BE49-F238E27FC236}">
-                <a16:creationId xmlns:a16="http://schemas.microsoft.com/office/drawing/2014/main" id="{8B7F9FAC-8E0D-0012-FD2A-29E9D255B9BB}"/>
+                <a16:creationId xmlns:a16="http://schemas.microsoft.com/office/drawing/2014/main" xmlns="" id="{8B7F9FAC-8E0D-0012-FD2A-29E9D255B9BB}"/>
               </a:ext>
             </a:extLst>
           </p:cNvPr>
@@ -8226,7 +10488,7 @@
           <p:cNvPr id="10" name="TextBox 9">
             <a:extLst>
               <a:ext uri="{FF2B5EF4-FFF2-40B4-BE49-F238E27FC236}">
-                <a16:creationId xmlns:a16="http://schemas.microsoft.com/office/drawing/2014/main" id="{A9616239-FE9E-40C1-004A-234C8CB8698C}"/>
+                <a16:creationId xmlns:a16="http://schemas.microsoft.com/office/drawing/2014/main" xmlns="" id="{A9616239-FE9E-40C1-004A-234C8CB8698C}"/>
               </a:ext>
             </a:extLst>
           </p:cNvPr>
@@ -8298,7 +10560,7 @@
           <p:cNvPr id="2" name="Заголовок 1">
             <a:extLst>
               <a:ext uri="{FF2B5EF4-FFF2-40B4-BE49-F238E27FC236}">
-                <a16:creationId xmlns:a16="http://schemas.microsoft.com/office/drawing/2014/main" id="{CD7FAF64-4323-AB6D-8A8B-C94B78B59E67}"/>
+                <a16:creationId xmlns:a16="http://schemas.microsoft.com/office/drawing/2014/main" xmlns="" id="{CD7FAF64-4323-AB6D-8A8B-C94B78B59E67}"/>
               </a:ext>
             </a:extLst>
           </p:cNvPr>
@@ -8334,7 +10596,7 @@
           <p:cNvPr id="3" name="Объект 2">
             <a:extLst>
               <a:ext uri="{FF2B5EF4-FFF2-40B4-BE49-F238E27FC236}">
-                <a16:creationId xmlns:a16="http://schemas.microsoft.com/office/drawing/2014/main" id="{9D2F54C9-97BF-9AEE-06C3-25EB6B2068D0}"/>
+                <a16:creationId xmlns:a16="http://schemas.microsoft.com/office/drawing/2014/main" xmlns="" id="{9D2F54C9-97BF-9AEE-06C3-25EB6B2068D0}"/>
               </a:ext>
             </a:extLst>
           </p:cNvPr>
@@ -8348,12 +10610,12 @@
         <p:spPr>
           <a:xfrm>
             <a:off x="685801" y="1699491"/>
-            <a:ext cx="10131425" cy="4433454"/>
+            <a:ext cx="10131425" cy="4627168"/>
           </a:xfrm>
         </p:spPr>
         <p:txBody>
           <a:bodyPr anchor="t">
-            <a:normAutofit lnSpcReduction="10000"/>
+            <a:noAutofit/>
           </a:bodyPr>
           <a:lstStyle/>
           <a:p>
@@ -8367,13 +10629,48 @@
               <a:buNone/>
             </a:pPr>
             <a:r>
-              <a:rPr lang="ru-RU" sz="1800" dirty="0">
+              <a:rPr lang="ru-RU" dirty="0">
                 <a:effectLst/>
                 <a:latin typeface="Arial" panose="020B0604020202020204" pitchFamily="34" charset="0"/>
                 <a:ea typeface="Calibri" panose="020F0502020204030204" pitchFamily="34" charset="0"/>
                 <a:cs typeface="Arial" panose="020B0604020202020204" pitchFamily="34" charset="0"/>
               </a:rPr>
-              <a:t>Целью учебной практики является овладение видом профессиональной деятельности Разработка модулей программного обеспечения для компьютерных систем, общими и профессиональными компетенциями по специальности.</a:t>
+              <a:t>Целью учебной практики является овладение видом профессиональной </a:t>
+            </a:r>
+            <a:r>
+              <a:rPr lang="ru-RU" dirty="0" smtClean="0">
+                <a:effectLst/>
+                <a:latin typeface="Arial" panose="020B0604020202020204" pitchFamily="34" charset="0"/>
+                <a:ea typeface="Calibri" panose="020F0502020204030204" pitchFamily="34" charset="0"/>
+                <a:cs typeface="Arial" panose="020B0604020202020204" pitchFamily="34" charset="0"/>
+              </a:rPr>
+              <a:t>деятельности, </a:t>
+            </a:r>
+            <a:r>
+              <a:rPr lang="ru-RU" dirty="0">
+                <a:latin typeface="Arial" panose="020B0604020202020204" pitchFamily="34" charset="0"/>
+                <a:ea typeface="Calibri" panose="020F0502020204030204" pitchFamily="34" charset="0"/>
+                <a:cs typeface="Arial" panose="020B0604020202020204" pitchFamily="34" charset="0"/>
+              </a:rPr>
+              <a:t>р</a:t>
+            </a:r>
+            <a:r>
+              <a:rPr lang="ru-RU" dirty="0" smtClean="0">
+                <a:effectLst/>
+                <a:latin typeface="Arial" panose="020B0604020202020204" pitchFamily="34" charset="0"/>
+                <a:ea typeface="Calibri" panose="020F0502020204030204" pitchFamily="34" charset="0"/>
+                <a:cs typeface="Arial" panose="020B0604020202020204" pitchFamily="34" charset="0"/>
+              </a:rPr>
+              <a:t>азработка </a:t>
+            </a:r>
+            <a:r>
+              <a:rPr lang="ru-RU" dirty="0">
+                <a:effectLst/>
+                <a:latin typeface="Arial" panose="020B0604020202020204" pitchFamily="34" charset="0"/>
+                <a:ea typeface="Calibri" panose="020F0502020204030204" pitchFamily="34" charset="0"/>
+                <a:cs typeface="Arial" panose="020B0604020202020204" pitchFamily="34" charset="0"/>
+              </a:rPr>
+              <a:t>модулей программного обеспечения для компьютерных систем, общими и профессиональными компетенциями по специальности.</a:t>
             </a:r>
           </a:p>
           <a:p>
@@ -8387,7 +10684,7 @@
               <a:buNone/>
             </a:pPr>
             <a:r>
-              <a:rPr lang="ru-RU" sz="1800" dirty="0">
+              <a:rPr lang="ru-RU" dirty="0">
                 <a:effectLst/>
                 <a:latin typeface="Arial" panose="020B0604020202020204" pitchFamily="34" charset="0"/>
                 <a:ea typeface="Calibri" panose="020F0502020204030204" pitchFamily="34" charset="0"/>
@@ -8408,7 +10705,7 @@
               <a:buChar char=""/>
             </a:pPr>
             <a:r>
-              <a:rPr lang="ru-RU" sz="1800" dirty="0">
+              <a:rPr lang="ru-RU" dirty="0">
                 <a:effectLst/>
                 <a:latin typeface="Arial" panose="020B0604020202020204" pitchFamily="34" charset="0"/>
                 <a:ea typeface="Calibri" panose="020F0502020204030204" pitchFamily="34" charset="0"/>
@@ -8429,7 +10726,7 @@
               <a:buChar char=""/>
             </a:pPr>
             <a:r>
-              <a:rPr lang="ru-RU" sz="1800" dirty="0">
+              <a:rPr lang="ru-RU" dirty="0">
                 <a:effectLst/>
                 <a:latin typeface="Arial" panose="020B0604020202020204" pitchFamily="34" charset="0"/>
                 <a:ea typeface="Calibri" panose="020F0502020204030204" pitchFamily="34" charset="0"/>
@@ -8458,7 +10755,7 @@
               <a:t>Р</a:t>
             </a:r>
             <a:r>
-              <a:rPr lang="ru-RU" sz="1800" dirty="0">
+              <a:rPr lang="ru-RU" dirty="0">
                 <a:effectLst/>
                 <a:latin typeface="Arial" panose="020B0604020202020204" pitchFamily="34" charset="0"/>
                 <a:ea typeface="Calibri" panose="020F0502020204030204" pitchFamily="34" charset="0"/>
@@ -8504,7 +10801,7 @@
           <p:cNvPr id="2" name="Заголовок 1">
             <a:extLst>
               <a:ext uri="{FF2B5EF4-FFF2-40B4-BE49-F238E27FC236}">
-                <a16:creationId xmlns:a16="http://schemas.microsoft.com/office/drawing/2014/main" id="{7C083694-A29E-3372-8A1E-ABCC9B01F7B5}"/>
+                <a16:creationId xmlns:a16="http://schemas.microsoft.com/office/drawing/2014/main" xmlns="" id="{7C083694-A29E-3372-8A1E-ABCC9B01F7B5}"/>
               </a:ext>
             </a:extLst>
           </p:cNvPr>
@@ -8540,7 +10837,7 @@
           <p:cNvPr id="3" name="Объект 2">
             <a:extLst>
               <a:ext uri="{FF2B5EF4-FFF2-40B4-BE49-F238E27FC236}">
-                <a16:creationId xmlns:a16="http://schemas.microsoft.com/office/drawing/2014/main" id="{A9052B69-C62C-134A-F813-18EFFFC16F2C}"/>
+                <a16:creationId xmlns:a16="http://schemas.microsoft.com/office/drawing/2014/main" xmlns="" id="{A9052B69-C62C-134A-F813-18EFFFC16F2C}"/>
               </a:ext>
             </a:extLst>
           </p:cNvPr>
@@ -8603,7 +10900,7 @@
           <p:cNvPr id="2" name="Заголовок 1">
             <a:extLst>
               <a:ext uri="{FF2B5EF4-FFF2-40B4-BE49-F238E27FC236}">
-                <a16:creationId xmlns:a16="http://schemas.microsoft.com/office/drawing/2014/main" id="{B951CEB0-497C-AB40-07A2-B6403CF3811E}"/>
+                <a16:creationId xmlns:a16="http://schemas.microsoft.com/office/drawing/2014/main" xmlns="" id="{B951CEB0-497C-AB40-07A2-B6403CF3811E}"/>
               </a:ext>
             </a:extLst>
           </p:cNvPr>
@@ -8639,7 +10936,7 @@
           <p:cNvPr id="4" name="TextBox 3">
             <a:extLst>
               <a:ext uri="{FF2B5EF4-FFF2-40B4-BE49-F238E27FC236}">
-                <a16:creationId xmlns:a16="http://schemas.microsoft.com/office/drawing/2014/main" id="{D7AEB4D3-1426-35FD-61D1-01A5CB648016}"/>
+                <a16:creationId xmlns:a16="http://schemas.microsoft.com/office/drawing/2014/main" xmlns="" id="{D7AEB4D3-1426-35FD-61D1-01A5CB648016}"/>
               </a:ext>
             </a:extLst>
           </p:cNvPr>
@@ -8689,7 +10986,7 @@
           <p:cNvPr id="5" name="TextBox 4">
             <a:extLst>
               <a:ext uri="{FF2B5EF4-FFF2-40B4-BE49-F238E27FC236}">
-                <a16:creationId xmlns:a16="http://schemas.microsoft.com/office/drawing/2014/main" id="{B2AA81E2-1AB3-EDEF-DA8F-FE33C0DE0EEF}"/>
+                <a16:creationId xmlns:a16="http://schemas.microsoft.com/office/drawing/2014/main" xmlns="" id="{B2AA81E2-1AB3-EDEF-DA8F-FE33C0DE0EEF}"/>
               </a:ext>
             </a:extLst>
           </p:cNvPr>
@@ -8739,7 +11036,7 @@
           <p:cNvPr id="9" name="TextBox 8">
             <a:extLst>
               <a:ext uri="{FF2B5EF4-FFF2-40B4-BE49-F238E27FC236}">
-                <a16:creationId xmlns:a16="http://schemas.microsoft.com/office/drawing/2014/main" id="{F05B4583-2A87-686A-5FA9-4E2CB43750B1}"/>
+                <a16:creationId xmlns:a16="http://schemas.microsoft.com/office/drawing/2014/main" xmlns="" id="{F05B4583-2A87-686A-5FA9-4E2CB43750B1}"/>
               </a:ext>
             </a:extLst>
           </p:cNvPr>
@@ -8789,7 +11086,7 @@
           <p:cNvPr id="11" name="Рисунок 10">
             <a:extLst>
               <a:ext uri="{FF2B5EF4-FFF2-40B4-BE49-F238E27FC236}">
-                <a16:creationId xmlns:a16="http://schemas.microsoft.com/office/drawing/2014/main" id="{046409CC-AFC7-C931-E014-6F4FF975CAF0}"/>
+                <a16:creationId xmlns:a16="http://schemas.microsoft.com/office/drawing/2014/main" xmlns="" id="{046409CC-AFC7-C931-E014-6F4FF975CAF0}"/>
               </a:ext>
             </a:extLst>
           </p:cNvPr>
@@ -8819,7 +11116,7 @@
           <p:cNvPr id="1036" name="Picture 12" descr="Логотип Visual Studio">
             <a:extLst>
               <a:ext uri="{FF2B5EF4-FFF2-40B4-BE49-F238E27FC236}">
-                <a16:creationId xmlns:a16="http://schemas.microsoft.com/office/drawing/2014/main" id="{4E441D10-DF64-77C0-4146-B8F5EDCE1D25}"/>
+                <a16:creationId xmlns:a16="http://schemas.microsoft.com/office/drawing/2014/main" xmlns="" id="{4E441D10-DF64-77C0-4146-B8F5EDCE1D25}"/>
               </a:ext>
             </a:extLst>
           </p:cNvPr>
@@ -8866,7 +11163,7 @@
           <p:cNvPr id="14" name="Picture 10" descr="Sql-сервер – Бесплатные иконки: компьютер">
             <a:extLst>
               <a:ext uri="{FF2B5EF4-FFF2-40B4-BE49-F238E27FC236}">
-                <a16:creationId xmlns:a16="http://schemas.microsoft.com/office/drawing/2014/main" id="{2CBBF6E0-B104-1692-7940-80D236B87F88}"/>
+                <a16:creationId xmlns:a16="http://schemas.microsoft.com/office/drawing/2014/main" xmlns="" id="{2CBBF6E0-B104-1692-7940-80D236B87F88}"/>
               </a:ext>
             </a:extLst>
           </p:cNvPr>
@@ -8943,7 +11240,7 @@
           <p:cNvPr id="2" name="Заголовок 1">
             <a:extLst>
               <a:ext uri="{FF2B5EF4-FFF2-40B4-BE49-F238E27FC236}">
-                <a16:creationId xmlns:a16="http://schemas.microsoft.com/office/drawing/2014/main" id="{B5C64CB6-EC40-BA55-696D-0701A108B9F9}"/>
+                <a16:creationId xmlns:a16="http://schemas.microsoft.com/office/drawing/2014/main" xmlns="" id="{B5C64CB6-EC40-BA55-696D-0701A108B9F9}"/>
               </a:ext>
             </a:extLst>
           </p:cNvPr>
@@ -8956,7 +11253,7 @@
         </p:nvSpPr>
         <p:spPr>
           <a:xfrm>
-            <a:off x="618835" y="609601"/>
+            <a:off x="618835" y="47898"/>
             <a:ext cx="10244571" cy="1126835"/>
           </a:xfrm>
         </p:spPr>
@@ -8974,6 +11271,28 @@
           </a:p>
         </p:txBody>
       </p:sp>
+      <p:pic>
+        <p:nvPicPr>
+          <p:cNvPr id="3" name="Рисунок 2"/>
+          <p:cNvPicPr/>
+          <p:nvPr/>
+        </p:nvPicPr>
+        <p:blipFill>
+          <a:blip r:embed="rId2"/>
+          <a:stretch>
+            <a:fillRect/>
+          </a:stretch>
+        </p:blipFill>
+        <p:spPr>
+          <a:xfrm>
+            <a:off x="1097279" y="1267640"/>
+            <a:ext cx="9353005" cy="5407480"/>
+          </a:xfrm>
+          <a:prstGeom prst="rect">
+            <a:avLst/>
+          </a:prstGeom>
+        </p:spPr>
+      </p:pic>
     </p:spTree>
     <p:extLst>
       <p:ext uri="{BB962C8B-B14F-4D97-AF65-F5344CB8AC3E}">
@@ -9009,7 +11328,7 @@
           <p:cNvPr id="2" name="Заголовок 1">
             <a:extLst>
               <a:ext uri="{FF2B5EF4-FFF2-40B4-BE49-F238E27FC236}">
-                <a16:creationId xmlns:a16="http://schemas.microsoft.com/office/drawing/2014/main" id="{A740F2B3-770B-E90F-D8B9-CD28F0D3E245}"/>
+                <a16:creationId xmlns:a16="http://schemas.microsoft.com/office/drawing/2014/main" xmlns="" id="{A740F2B3-770B-E90F-D8B9-CD28F0D3E245}"/>
               </a:ext>
             </a:extLst>
           </p:cNvPr>
@@ -9022,7 +11341,7 @@
         </p:nvSpPr>
         <p:spPr>
           <a:xfrm>
-            <a:off x="685801" y="609600"/>
+            <a:off x="685801" y="241300"/>
             <a:ext cx="10131425" cy="988291"/>
           </a:xfrm>
         </p:spPr>
@@ -9040,6 +11359,70 @@
           </a:p>
         </p:txBody>
       </p:sp>
+      <p:pic>
+        <p:nvPicPr>
+          <p:cNvPr id="1026" name="Picture 2"/>
+          <p:cNvPicPr>
+            <a:picLocks noChangeAspect="1" noChangeArrowheads="1"/>
+          </p:cNvPicPr>
+          <p:nvPr/>
+        </p:nvPicPr>
+        <p:blipFill>
+          <a:blip r:embed="rId2">
+            <a:extLst>
+              <a:ext uri="{28A0092B-C50C-407E-A947-70E740481C1C}">
+                <a14:useLocalDpi xmlns:a14="http://schemas.microsoft.com/office/drawing/2010/main" val="0"/>
+              </a:ext>
+            </a:extLst>
+          </a:blip>
+          <a:srcRect/>
+          <a:stretch>
+            <a:fillRect/>
+          </a:stretch>
+        </p:blipFill>
+        <p:spPr bwMode="auto">
+          <a:xfrm>
+            <a:off x="226719" y="1460501"/>
+            <a:ext cx="11765852" cy="4991100"/>
+          </a:xfrm>
+          <a:prstGeom prst="rect">
+            <a:avLst/>
+          </a:prstGeom>
+          <a:noFill/>
+          <a:ln>
+            <a:noFill/>
+          </a:ln>
+          <a:effectLst/>
+          <a:extLst>
+            <a:ext uri="{909E8E84-426E-40DD-AFC4-6F175D3DCCD1}">
+              <a14:hiddenFill xmlns:a14="http://schemas.microsoft.com/office/drawing/2010/main">
+                <a:solidFill>
+                  <a:schemeClr val="accent1"/>
+                </a:solidFill>
+              </a14:hiddenFill>
+            </a:ext>
+            <a:ext uri="{91240B29-F687-4F45-9708-019B960494DF}">
+              <a14:hiddenLine xmlns:a14="http://schemas.microsoft.com/office/drawing/2010/main" w="9525">
+                <a:solidFill>
+                  <a:schemeClr val="tx1"/>
+                </a:solidFill>
+                <a:miter lim="800000"/>
+                <a:headEnd/>
+                <a:tailEnd/>
+              </a14:hiddenLine>
+            </a:ext>
+            <a:ext uri="{AF507438-7753-43E0-B8FC-AC1667EBCBE1}">
+              <a14:hiddenEffects xmlns:a14="http://schemas.microsoft.com/office/drawing/2010/main">
+                <a:effectLst>
+                  <a:outerShdw dist="35921" dir="2700000" algn="ctr" rotWithShape="0">
+                    <a:schemeClr val="bg2"/>
+                  </a:outerShdw>
+                </a:effectLst>
+              </a14:hiddenEffects>
+            </a:ext>
+          </a:extLst>
+        </p:spPr>
+      </p:pic>
     </p:spTree>
     <p:extLst>
       <p:ext uri="{BB962C8B-B14F-4D97-AF65-F5344CB8AC3E}">
@@ -9075,7 +11458,7 @@
           <p:cNvPr id="2" name="Заголовок 1">
             <a:extLst>
               <a:ext uri="{FF2B5EF4-FFF2-40B4-BE49-F238E27FC236}">
-                <a16:creationId xmlns:a16="http://schemas.microsoft.com/office/drawing/2014/main" id="{CD9BA151-C3BD-AE36-FF41-7CA65F74DD0D}"/>
+                <a16:creationId xmlns:a16="http://schemas.microsoft.com/office/drawing/2014/main" xmlns="" id="{CD9BA151-C3BD-AE36-FF41-7CA65F74DD0D}"/>
               </a:ext>
             </a:extLst>
           </p:cNvPr>
@@ -9088,8 +11471,8 @@
         </p:nvSpPr>
         <p:spPr>
           <a:xfrm>
-            <a:off x="685801" y="609600"/>
-            <a:ext cx="10131425" cy="997527"/>
+            <a:off x="685801" y="246947"/>
+            <a:ext cx="10131425" cy="845254"/>
           </a:xfrm>
         </p:spPr>
         <p:txBody>
@@ -9106,6 +11489,70 @@
           </a:p>
         </p:txBody>
       </p:sp>
+      <p:pic>
+        <p:nvPicPr>
+          <p:cNvPr id="2050" name="Picture 2"/>
+          <p:cNvPicPr>
+            <a:picLocks noChangeAspect="1" noChangeArrowheads="1"/>
+          </p:cNvPicPr>
+          <p:nvPr/>
+        </p:nvPicPr>
+        <p:blipFill>
+          <a:blip r:embed="rId2">
+            <a:extLst>
+              <a:ext uri="{28A0092B-C50C-407E-A947-70E740481C1C}">
+                <a14:useLocalDpi xmlns:a14="http://schemas.microsoft.com/office/drawing/2010/main" val="0"/>
+              </a:ext>
+            </a:extLst>
+          </a:blip>
+          <a:srcRect/>
+          <a:stretch>
+            <a:fillRect/>
+          </a:stretch>
+        </p:blipFill>
+        <p:spPr bwMode="auto">
+          <a:xfrm>
+            <a:off x="431801" y="1092201"/>
+            <a:ext cx="10236199" cy="5652473"/>
+          </a:xfrm>
+          <a:prstGeom prst="rect">
+            <a:avLst/>
+          </a:prstGeom>
+          <a:noFill/>
+          <a:ln>
+            <a:noFill/>
+          </a:ln>
+          <a:effectLst/>
+          <a:extLst>
+            <a:ext uri="{909E8E84-426E-40DD-AFC4-6F175D3DCCD1}">
+              <a14:hiddenFill xmlns:a14="http://schemas.microsoft.com/office/drawing/2010/main">
+                <a:solidFill>
+                  <a:schemeClr val="accent1"/>
+                </a:solidFill>
+              </a14:hiddenFill>
+            </a:ext>
+            <a:ext uri="{91240B29-F687-4F45-9708-019B960494DF}">
+              <a14:hiddenLine xmlns:a14="http://schemas.microsoft.com/office/drawing/2010/main" w="9525">
+                <a:solidFill>
+                  <a:schemeClr val="tx1"/>
+                </a:solidFill>
+                <a:miter lim="800000"/>
+                <a:headEnd/>
+                <a:tailEnd/>
+              </a14:hiddenLine>
+            </a:ext>
+            <a:ext uri="{AF507438-7753-43E0-B8FC-AC1667EBCBE1}">
+              <a14:hiddenEffects xmlns:a14="http://schemas.microsoft.com/office/drawing/2010/main">
+                <a:effectLst>
+                  <a:outerShdw dist="35921" dir="2700000" algn="ctr" rotWithShape="0">
+                    <a:schemeClr val="bg2"/>
+                  </a:outerShdw>
+                </a:effectLst>
+              </a14:hiddenEffects>
+            </a:ext>
+          </a:extLst>
+        </p:spPr>
+      </p:pic>
     </p:spTree>
     <p:extLst>
       <p:ext uri="{BB962C8B-B14F-4D97-AF65-F5344CB8AC3E}">
@@ -9141,7 +11588,7 @@
           <p:cNvPr id="2" name="Заголовок 1">
             <a:extLst>
               <a:ext uri="{FF2B5EF4-FFF2-40B4-BE49-F238E27FC236}">
-                <a16:creationId xmlns:a16="http://schemas.microsoft.com/office/drawing/2014/main" id="{135DA046-2A94-2573-B595-B09D14E32E5F}"/>
+                <a16:creationId xmlns:a16="http://schemas.microsoft.com/office/drawing/2014/main" xmlns="" id="{135DA046-2A94-2573-B595-B09D14E32E5F}"/>
               </a:ext>
             </a:extLst>
           </p:cNvPr>
@@ -9152,7 +11599,12 @@
             <p:ph type="title"/>
           </p:nvPr>
         </p:nvSpPr>
-        <p:spPr/>
+        <p:spPr>
+          <a:xfrm>
+            <a:off x="685801" y="171451"/>
+            <a:ext cx="10131425" cy="876299"/>
+          </a:xfrm>
+        </p:spPr>
         <p:txBody>
           <a:bodyPr/>
           <a:lstStyle/>
@@ -9167,6 +11619,28 @@
           </a:p>
         </p:txBody>
       </p:sp>
+      <p:pic>
+        <p:nvPicPr>
+          <p:cNvPr id="3" name="Рисунок 2"/>
+          <p:cNvPicPr/>
+          <p:nvPr/>
+        </p:nvPicPr>
+        <p:blipFill>
+          <a:blip r:embed="rId2"/>
+          <a:stretch>
+            <a:fillRect/>
+          </a:stretch>
+        </p:blipFill>
+        <p:spPr>
+          <a:xfrm>
+            <a:off x="482601" y="1047750"/>
+            <a:ext cx="11122660" cy="5581650"/>
+          </a:xfrm>
+          <a:prstGeom prst="rect">
+            <a:avLst/>
+          </a:prstGeom>
+        </p:spPr>
+      </p:pic>
     </p:spTree>
     <p:extLst>
       <p:ext uri="{BB962C8B-B14F-4D97-AF65-F5344CB8AC3E}">
@@ -9202,7 +11676,7 @@
           <p:cNvPr id="2" name="Заголовок 1">
             <a:extLst>
               <a:ext uri="{FF2B5EF4-FFF2-40B4-BE49-F238E27FC236}">
-                <a16:creationId xmlns:a16="http://schemas.microsoft.com/office/drawing/2014/main" id="{0F55B53D-592F-319F-D1E6-F57CCDD9298F}"/>
+                <a16:creationId xmlns:a16="http://schemas.microsoft.com/office/drawing/2014/main" xmlns="" id="{0F55B53D-592F-319F-D1E6-F57CCDD9298F}"/>
               </a:ext>
             </a:extLst>
           </p:cNvPr>
@@ -9215,21 +11689,369 @@
         </p:nvSpPr>
         <p:spPr>
           <a:xfrm>
-            <a:off x="685801" y="609601"/>
+            <a:off x="685801" y="73892"/>
             <a:ext cx="10131425" cy="1071418"/>
           </a:xfrm>
         </p:spPr>
         <p:txBody>
-          <a:bodyPr/>
+          <a:bodyPr>
+            <a:normAutofit/>
+          </a:bodyPr>
           <a:lstStyle/>
           <a:p>
             <a:r>
-              <a:rPr lang="ru-RU" dirty="0">
+              <a:rPr lang="ru-RU" dirty="0" smtClean="0">
                 <a:latin typeface="Arial" panose="020B0604020202020204" pitchFamily="34" charset="0"/>
                 <a:cs typeface="Arial" panose="020B0604020202020204" pitchFamily="34" charset="0"/>
               </a:rPr>
-              <a:t>Серверная часть</a:t>
-            </a:r>
+              <a:t>Создание Серверной части</a:t>
+            </a:r>
+            <a:endParaRPr lang="ru-RU" dirty="0">
+              <a:latin typeface="Arial" panose="020B0604020202020204" pitchFamily="34" charset="0"/>
+              <a:cs typeface="Arial" panose="020B0604020202020204" pitchFamily="34" charset="0"/>
+            </a:endParaRPr>
+          </a:p>
+        </p:txBody>
+      </p:sp>
+      <p:pic>
+        <p:nvPicPr>
+          <p:cNvPr id="1026" name="Picture 2"/>
+          <p:cNvPicPr>
+            <a:picLocks noChangeAspect="1" noChangeArrowheads="1"/>
+          </p:cNvPicPr>
+          <p:nvPr/>
+        </p:nvPicPr>
+        <p:blipFill>
+          <a:blip r:embed="rId2">
+            <a:extLst>
+              <a:ext uri="{28A0092B-C50C-407E-A947-70E740481C1C}">
+                <a14:useLocalDpi xmlns:a14="http://schemas.microsoft.com/office/drawing/2010/main" val="0"/>
+              </a:ext>
+            </a:extLst>
+          </a:blip>
+          <a:srcRect/>
+          <a:stretch>
+            <a:fillRect/>
+          </a:stretch>
+        </p:blipFill>
+        <p:spPr bwMode="auto">
+          <a:xfrm>
+            <a:off x="4316195" y="3446729"/>
+            <a:ext cx="7582566" cy="1663794"/>
+          </a:xfrm>
+          <a:prstGeom prst="rect">
+            <a:avLst/>
+          </a:prstGeom>
+          <a:noFill/>
+          <a:ln>
+            <a:noFill/>
+          </a:ln>
+          <a:effectLst/>
+          <a:extLst>
+            <a:ext uri="{909E8E84-426E-40DD-AFC4-6F175D3DCCD1}">
+              <a14:hiddenFill xmlns:a14="http://schemas.microsoft.com/office/drawing/2010/main">
+                <a:solidFill>
+                  <a:schemeClr val="accent1"/>
+                </a:solidFill>
+              </a14:hiddenFill>
+            </a:ext>
+            <a:ext uri="{91240B29-F687-4F45-9708-019B960494DF}">
+              <a14:hiddenLine xmlns:a14="http://schemas.microsoft.com/office/drawing/2010/main" w="9525">
+                <a:solidFill>
+                  <a:schemeClr val="tx1"/>
+                </a:solidFill>
+                <a:miter lim="800000"/>
+                <a:headEnd/>
+                <a:tailEnd/>
+              </a14:hiddenLine>
+            </a:ext>
+            <a:ext uri="{AF507438-7753-43E0-B8FC-AC1667EBCBE1}">
+              <a14:hiddenEffects xmlns:a14="http://schemas.microsoft.com/office/drawing/2010/main">
+                <a:effectLst>
+                  <a:outerShdw dist="35921" dir="2700000" algn="ctr" rotWithShape="0">
+                    <a:schemeClr val="bg2"/>
+                  </a:outerShdw>
+                </a:effectLst>
+              </a14:hiddenEffects>
+            </a:ext>
+          </a:extLst>
+        </p:spPr>
+      </p:pic>
+      <p:sp>
+        <p:nvSpPr>
+          <p:cNvPr id="3" name="TextBox 2"/>
+          <p:cNvSpPr txBox="1"/>
+          <p:nvPr/>
+        </p:nvSpPr>
+        <p:spPr>
+          <a:xfrm>
+            <a:off x="4329886" y="2639534"/>
+            <a:ext cx="2606373" cy="461665"/>
+          </a:xfrm>
+          <a:prstGeom prst="rect">
+            <a:avLst/>
+          </a:prstGeom>
+          <a:noFill/>
+        </p:spPr>
+        <p:txBody>
+          <a:bodyPr wrap="square" rtlCol="0">
+            <a:spAutoFit/>
+          </a:bodyPr>
+          <a:lstStyle/>
+          <a:p>
+            <a:r>
+              <a:rPr lang="ru-RU" sz="2400" dirty="0" smtClean="0">
+                <a:latin typeface="Arial" panose="020B0604020202020204" pitchFamily="34" charset="0"/>
+                <a:cs typeface="Arial" panose="020B0604020202020204" pitchFamily="34" charset="0"/>
+              </a:rPr>
+              <a:t>Таблица «</a:t>
+            </a:r>
+            <a:r>
+              <a:rPr lang="en-US" sz="2400" dirty="0" smtClean="0">
+                <a:latin typeface="Arial" panose="020B0604020202020204" pitchFamily="34" charset="0"/>
+                <a:cs typeface="Arial" panose="020B0604020202020204" pitchFamily="34" charset="0"/>
+              </a:rPr>
+              <a:t>Client</a:t>
+            </a:r>
+            <a:r>
+              <a:rPr lang="ru-RU" sz="2400" dirty="0" smtClean="0">
+                <a:latin typeface="Arial" panose="020B0604020202020204" pitchFamily="34" charset="0"/>
+                <a:cs typeface="Arial" panose="020B0604020202020204" pitchFamily="34" charset="0"/>
+              </a:rPr>
+              <a:t>»</a:t>
+            </a:r>
+            <a:endParaRPr lang="ru-RU" sz="2400" dirty="0">
+              <a:latin typeface="Arial" panose="020B0604020202020204" pitchFamily="34" charset="0"/>
+              <a:cs typeface="Arial" panose="020B0604020202020204" pitchFamily="34" charset="0"/>
+            </a:endParaRPr>
+          </a:p>
+        </p:txBody>
+      </p:sp>
+      <p:pic>
+        <p:nvPicPr>
+          <p:cNvPr id="1029" name="Picture 5"/>
+          <p:cNvPicPr>
+            <a:picLocks noChangeAspect="1" noChangeArrowheads="1"/>
+          </p:cNvPicPr>
+          <p:nvPr/>
+        </p:nvPicPr>
+        <p:blipFill>
+          <a:blip r:embed="rId3">
+            <a:extLst>
+              <a:ext uri="{28A0092B-C50C-407E-A947-70E740481C1C}">
+                <a14:useLocalDpi xmlns:a14="http://schemas.microsoft.com/office/drawing/2010/main" val="0"/>
+              </a:ext>
+            </a:extLst>
+          </a:blip>
+          <a:srcRect/>
+          <a:stretch>
+            <a:fillRect/>
+          </a:stretch>
+        </p:blipFill>
+        <p:spPr bwMode="auto">
+          <a:xfrm>
+            <a:off x="553673" y="1145310"/>
+            <a:ext cx="10322484" cy="1290083"/>
+          </a:xfrm>
+          <a:prstGeom prst="rect">
+            <a:avLst/>
+          </a:prstGeom>
+          <a:noFill/>
+          <a:ln>
+            <a:noFill/>
+          </a:ln>
+          <a:effectLst/>
+          <a:extLst>
+            <a:ext uri="{909E8E84-426E-40DD-AFC4-6F175D3DCCD1}">
+              <a14:hiddenFill xmlns:a14="http://schemas.microsoft.com/office/drawing/2010/main">
+                <a:solidFill>
+                  <a:schemeClr val="accent1"/>
+                </a:solidFill>
+              </a14:hiddenFill>
+            </a:ext>
+            <a:ext uri="{91240B29-F687-4F45-9708-019B960494DF}">
+              <a14:hiddenLine xmlns:a14="http://schemas.microsoft.com/office/drawing/2010/main" w="9525">
+                <a:solidFill>
+                  <a:schemeClr val="tx1"/>
+                </a:solidFill>
+                <a:miter lim="800000"/>
+                <a:headEnd/>
+                <a:tailEnd/>
+              </a14:hiddenLine>
+            </a:ext>
+            <a:ext uri="{AF507438-7753-43E0-B8FC-AC1667EBCBE1}">
+              <a14:hiddenEffects xmlns:a14="http://schemas.microsoft.com/office/drawing/2010/main">
+                <a:effectLst>
+                  <a:outerShdw dist="35921" dir="2700000" algn="ctr" rotWithShape="0">
+                    <a:schemeClr val="bg2"/>
+                  </a:outerShdw>
+                </a:effectLst>
+              </a14:hiddenEffects>
+            </a:ext>
+          </a:extLst>
+        </p:spPr>
+      </p:pic>
+      <p:pic>
+        <p:nvPicPr>
+          <p:cNvPr id="13" name="Picture 8"/>
+          <p:cNvPicPr>
+            <a:picLocks noChangeAspect="1" noChangeArrowheads="1"/>
+          </p:cNvPicPr>
+          <p:nvPr/>
+        </p:nvPicPr>
+        <p:blipFill>
+          <a:blip r:embed="rId4">
+            <a:extLst>
+              <a:ext uri="{28A0092B-C50C-407E-A947-70E740481C1C}">
+                <a14:useLocalDpi xmlns:a14="http://schemas.microsoft.com/office/drawing/2010/main" val="0"/>
+              </a:ext>
+            </a:extLst>
+          </a:blip>
+          <a:srcRect/>
+          <a:stretch>
+            <a:fillRect/>
+          </a:stretch>
+        </p:blipFill>
+        <p:spPr bwMode="auto">
+          <a:xfrm>
+            <a:off x="381354" y="3452519"/>
+            <a:ext cx="3269672" cy="1553770"/>
+          </a:xfrm>
+          <a:prstGeom prst="rect">
+            <a:avLst/>
+          </a:prstGeom>
+          <a:noFill/>
+          <a:ln>
+            <a:noFill/>
+          </a:ln>
+          <a:effectLst/>
+          <a:extLst>
+            <a:ext uri="{909E8E84-426E-40DD-AFC4-6F175D3DCCD1}">
+              <a14:hiddenFill xmlns:a14="http://schemas.microsoft.com/office/drawing/2010/main">
+                <a:solidFill>
+                  <a:schemeClr val="accent1"/>
+                </a:solidFill>
+              </a14:hiddenFill>
+            </a:ext>
+            <a:ext uri="{91240B29-F687-4F45-9708-019B960494DF}">
+              <a14:hiddenLine xmlns:a14="http://schemas.microsoft.com/office/drawing/2010/main" w="9525">
+                <a:solidFill>
+                  <a:schemeClr val="tx1"/>
+                </a:solidFill>
+                <a:miter lim="800000"/>
+                <a:headEnd/>
+                <a:tailEnd/>
+              </a14:hiddenLine>
+            </a:ext>
+            <a:ext uri="{AF507438-7753-43E0-B8FC-AC1667EBCBE1}">
+              <a14:hiddenEffects xmlns:a14="http://schemas.microsoft.com/office/drawing/2010/main">
+                <a:effectLst>
+                  <a:outerShdw dist="35921" dir="2700000" algn="ctr" rotWithShape="0">
+                    <a:schemeClr val="bg2"/>
+                  </a:outerShdw>
+                </a:effectLst>
+              </a14:hiddenEffects>
+            </a:ext>
+          </a:extLst>
+        </p:spPr>
+      </p:pic>
+      <p:sp>
+        <p:nvSpPr>
+          <p:cNvPr id="14" name="TextBox 13"/>
+          <p:cNvSpPr txBox="1"/>
+          <p:nvPr/>
+        </p:nvSpPr>
+        <p:spPr>
+          <a:xfrm>
+            <a:off x="6862056" y="5251533"/>
+            <a:ext cx="2314895" cy="461665"/>
+          </a:xfrm>
+          <a:prstGeom prst="rect">
+            <a:avLst/>
+          </a:prstGeom>
+          <a:noFill/>
+        </p:spPr>
+        <p:txBody>
+          <a:bodyPr wrap="square" rtlCol="0">
+            <a:spAutoFit/>
+          </a:bodyPr>
+          <a:lstStyle/>
+          <a:p>
+            <a:r>
+              <a:rPr lang="ru-RU" sz="2400" dirty="0" smtClean="0">
+                <a:latin typeface="Arial" panose="020B0604020202020204" pitchFamily="34" charset="0"/>
+                <a:cs typeface="Arial" panose="020B0604020202020204" pitchFamily="34" charset="0"/>
+              </a:rPr>
+              <a:t>Таблица «</a:t>
+            </a:r>
+            <a:r>
+              <a:rPr lang="en-US" sz="2400" dirty="0" smtClean="0">
+                <a:latin typeface="Arial" panose="020B0604020202020204" pitchFamily="34" charset="0"/>
+                <a:cs typeface="Arial" panose="020B0604020202020204" pitchFamily="34" charset="0"/>
+              </a:rPr>
+              <a:t>Flat</a:t>
+            </a:r>
+            <a:r>
+              <a:rPr lang="ru-RU" sz="2400" dirty="0" smtClean="0">
+                <a:latin typeface="Arial" panose="020B0604020202020204" pitchFamily="34" charset="0"/>
+                <a:cs typeface="Arial" panose="020B0604020202020204" pitchFamily="34" charset="0"/>
+              </a:rPr>
+              <a:t>»</a:t>
+            </a:r>
+            <a:endParaRPr lang="ru-RU" sz="2400" dirty="0">
+              <a:latin typeface="Arial" panose="020B0604020202020204" pitchFamily="34" charset="0"/>
+              <a:cs typeface="Arial" panose="020B0604020202020204" pitchFamily="34" charset="0"/>
+            </a:endParaRPr>
+          </a:p>
+        </p:txBody>
+      </p:sp>
+      <p:sp>
+        <p:nvSpPr>
+          <p:cNvPr id="15" name="TextBox 14"/>
+          <p:cNvSpPr txBox="1"/>
+          <p:nvPr/>
+        </p:nvSpPr>
+        <p:spPr>
+          <a:xfrm>
+            <a:off x="649284" y="5110523"/>
+            <a:ext cx="2733811" cy="461665"/>
+          </a:xfrm>
+          <a:prstGeom prst="rect">
+            <a:avLst/>
+          </a:prstGeom>
+          <a:noFill/>
+        </p:spPr>
+        <p:txBody>
+          <a:bodyPr wrap="square" rtlCol="0">
+            <a:spAutoFit/>
+          </a:bodyPr>
+          <a:lstStyle/>
+          <a:p>
+            <a:r>
+              <a:rPr lang="ru-RU" sz="2400" dirty="0" smtClean="0">
+                <a:latin typeface="Arial" panose="020B0604020202020204" pitchFamily="34" charset="0"/>
+                <a:cs typeface="Arial" panose="020B0604020202020204" pitchFamily="34" charset="0"/>
+              </a:rPr>
+              <a:t>Таблица «</a:t>
+            </a:r>
+            <a:r>
+              <a:rPr lang="en-US" sz="2400" dirty="0" smtClean="0">
+                <a:latin typeface="Arial" panose="020B0604020202020204" pitchFamily="34" charset="0"/>
+                <a:cs typeface="Arial" panose="020B0604020202020204" pitchFamily="34" charset="0"/>
+              </a:rPr>
+              <a:t>House</a:t>
+            </a:r>
+            <a:r>
+              <a:rPr lang="ru-RU" sz="2400" dirty="0" smtClean="0">
+                <a:latin typeface="Arial" panose="020B0604020202020204" pitchFamily="34" charset="0"/>
+                <a:cs typeface="Arial" panose="020B0604020202020204" pitchFamily="34" charset="0"/>
+              </a:rPr>
+              <a:t>»</a:t>
+            </a:r>
+            <a:endParaRPr lang="ru-RU" sz="2400" dirty="0">
+              <a:latin typeface="Arial" panose="020B0604020202020204" pitchFamily="34" charset="0"/>
+              <a:cs typeface="Arial" panose="020B0604020202020204" pitchFamily="34" charset="0"/>
+            </a:endParaRPr>
           </a:p>
         </p:txBody>
       </p:sp>
@@ -9289,7 +12111,7 @@
     </a:clrScheme>
     <a:fontScheme name="Celestial">
       <a:majorFont>
-        <a:latin typeface="Calibri Light" panose="020F0302020204030204"/>
+        <a:latin typeface="Calibri Light"/>
         <a:ea typeface=""/>
         <a:cs typeface=""/>
         <a:font script="Jpan" typeface="ＭＳ Ｐゴシック"/>
@@ -9324,7 +12146,7 @@
         <a:font script="Geor" typeface="Sylfaen"/>
       </a:majorFont>
       <a:minorFont>
-        <a:latin typeface="Calibri" panose="020F0502020204030204"/>
+        <a:latin typeface="Calibri"/>
         <a:ea typeface=""/>
         <a:cs typeface=""/>
         <a:font script="Jpan" typeface="ＭＳ Ｐゴシック"/>
@@ -9489,7 +12311,7 @@
   <a:extraClrSchemeLst/>
   <a:extLst>
     <a:ext uri="{05A4C25C-085E-4340-85A3-A5531E510DB2}">
-      <thm15:themeFamily xmlns:thm15="http://schemas.microsoft.com/office/thememl/2012/main" name="Office_50521711_TF22566005_Win32" id="{DB0B3D7D-5501-4881-9053-FD3E0044D76F}" vid="{1E490896-0FA5-461F-BF0D-4266DBA81D01}"/>
+      <thm15:themeFamily xmlns:thm15="http://schemas.microsoft.com/office/thememl/2012/main" xmlns="" name="Office_50521711_TF22566005_Win32" id="{DB0B3D7D-5501-4881-9053-FD3E0044D76F}" vid="{1E490896-0FA5-461F-BF0D-4266DBA81D01}"/>
     </a:ext>
   </a:extLst>
 </a:theme>
@@ -9538,7 +12360,7 @@
     </a:clrScheme>
     <a:fontScheme name="Office">
       <a:majorFont>
-        <a:latin typeface="Calibri Light" panose="020F0302020204030204"/>
+        <a:latin typeface="Calibri Light"/>
         <a:ea typeface=""/>
         <a:cs typeface=""/>
         <a:font script="Jpan" typeface="游ゴシック Light"/>
@@ -9590,7 +12412,7 @@
         <a:font script="Tfng" typeface="Ebrima"/>
       </a:majorFont>
       <a:minorFont>
-        <a:latin typeface="Calibri" panose="020F0502020204030204"/>
+        <a:latin typeface="Calibri"/>
         <a:ea typeface=""/>
         <a:cs typeface=""/>
         <a:font script="Jpan" typeface="游ゴシック"/>
@@ -9784,7 +12606,7 @@
   <a:extraClrSchemeLst/>
   <a:extLst>
     <a:ext uri="{05A4C25C-085E-4340-85A3-A5531E510DB2}">
-      <thm15:themeFamily xmlns:thm15="http://schemas.microsoft.com/office/thememl/2012/main" name="Office Theme" id="{62F939B6-93AF-4DB8-9C6B-D6C7DFDC589F}" vid="{4A3C46E8-61CC-4603-A589-7422A47A8E4A}"/>
+      <thm15:themeFamily xmlns:thm15="http://schemas.microsoft.com/office/thememl/2012/main" xmlns="" name="Office Theme" id="{62F939B6-93AF-4DB8-9C6B-D6C7DFDC589F}" vid="{4A3C46E8-61CC-4603-A589-7422A47A8E4A}"/>
     </a:ext>
   </a:extLst>
 </a:theme>
@@ -9833,7 +12655,7 @@
     </a:clrScheme>
     <a:fontScheme name="Office">
       <a:majorFont>
-        <a:latin typeface="Calibri Light" panose="020F0302020204030204"/>
+        <a:latin typeface="Calibri Light"/>
         <a:ea typeface=""/>
         <a:cs typeface=""/>
         <a:font script="Jpan" typeface="游ゴシック Light"/>
@@ -9885,7 +12707,7 @@
         <a:font script="Tfng" typeface="Ebrima"/>
       </a:majorFont>
       <a:minorFont>
-        <a:latin typeface="Calibri" panose="020F0502020204030204"/>
+        <a:latin typeface="Calibri"/>
         <a:ea typeface=""/>
         <a:cs typeface=""/>
         <a:font script="Jpan" typeface="游ゴシック"/>
@@ -10079,31 +12901,13 @@
   <a:extraClrSchemeLst/>
   <a:extLst>
     <a:ext uri="{05A4C25C-085E-4340-85A3-A5531E510DB2}">
-      <thm15:themeFamily xmlns:thm15="http://schemas.microsoft.com/office/thememl/2012/main" name="Office Theme" id="{62F939B6-93AF-4DB8-9C6B-D6C7DFDC589F}" vid="{4A3C46E8-61CC-4603-A589-7422A47A8E4A}"/>
+      <thm15:themeFamily xmlns:thm15="http://schemas.microsoft.com/office/thememl/2012/main" xmlns="" name="Office Theme" id="{62F939B6-93AF-4DB8-9C6B-D6C7DFDC589F}" vid="{4A3C46E8-61CC-4603-A589-7422A47A8E4A}"/>
     </a:ext>
   </a:extLst>
 </a:theme>
 </file>
 
 <file path=customXml/item1.xml><?xml version="1.0" encoding="utf-8"?>
-<?mso-contentType ?>
-<FormTemplates xmlns="http://schemas.microsoft.com/sharepoint/v3/contenttype/forms">
-  <Display>DocumentLibraryForm</Display>
-  <Edit>DocumentLibraryForm</Edit>
-  <New>DocumentLibraryForm</New>
-</FormTemplates>
-</file>
-
-<file path=customXml/item2.xml><?xml version="1.0" encoding="utf-8"?>
-<p:properties xmlns:p="http://schemas.microsoft.com/office/2006/metadata/properties" xmlns:xsi="http://www.w3.org/2001/XMLSchema-instance" xmlns:pc="http://schemas.microsoft.com/office/infopath/2007/PartnerControls">
-  <documentManagement>
-    <Status xmlns="71af3243-3dd4-4a8d-8c0d-dd76da1f02a5">Not started</Status>
-    <MediaServiceKeyPoints xmlns="71af3243-3dd4-4a8d-8c0d-dd76da1f02a5" xsi:nil="true"/>
-  </documentManagement>
-</p:properties>
-</file>
-
-<file path=customXml/item3.xml><?xml version="1.0" encoding="utf-8"?>
 <ct:contentTypeSchema xmlns:ct="http://schemas.microsoft.com/office/2006/metadata/contentType" xmlns:ma="http://schemas.microsoft.com/office/2006/metadata/properties/metaAttributes" ct:_="" ma:_="" ma:contentTypeName="Document" ma:contentTypeID="0x01010079F111ED35F8CC479449609E8A0923A6" ma:contentTypeVersion="12" ma:contentTypeDescription="Create a new document." ma:contentTypeScope="" ma:versionID="93813dd7ca6ad654711aa0ab317e03a3">
   <xsd:schema xmlns:xsd="http://www.w3.org/2001/XMLSchema" xmlns:xs="http://www.w3.org/2001/XMLSchema" xmlns:p="http://schemas.microsoft.com/office/2006/metadata/properties" xmlns:ns2="71af3243-3dd4-4a8d-8c0d-dd76da1f02a5" xmlns:ns3="16c05727-aa75-4e4a-9b5f-8a80a1165891" targetNamespace="http://schemas.microsoft.com/office/2006/metadata/properties" ma:root="true" ma:fieldsID="f11dc0ce689dd3925e84e4e35398c6e7" ns2:_="" ns3:_="">
     <xsd:import namespace="71af3243-3dd4-4a8d-8c0d-dd76da1f02a5"/>
@@ -10324,25 +13128,25 @@
 </ct:contentTypeSchema>
 </file>
 
-<file path=customXml/itemProps1.xml><?xml version="1.0" encoding="utf-8"?>
-<ds:datastoreItem xmlns:ds="http://schemas.openxmlformats.org/officeDocument/2006/customXml" ds:itemID="{A0D51BCB-0419-432E-B7F1-25548446A625}">
-  <ds:schemaRefs>
-    <ds:schemaRef ds:uri="http://schemas.microsoft.com/sharepoint/v3/contenttype/forms"/>
-  </ds:schemaRefs>
-</ds:datastoreItem>
+<file path=customXml/item2.xml><?xml version="1.0" encoding="utf-8"?>
+<p:properties xmlns:p="http://schemas.microsoft.com/office/2006/metadata/properties" xmlns:xsi="http://www.w3.org/2001/XMLSchema-instance" xmlns:pc="http://schemas.microsoft.com/office/infopath/2007/PartnerControls">
+  <documentManagement>
+    <Status xmlns="71af3243-3dd4-4a8d-8c0d-dd76da1f02a5">Not started</Status>
+    <MediaServiceKeyPoints xmlns="71af3243-3dd4-4a8d-8c0d-dd76da1f02a5" xsi:nil="true"/>
+  </documentManagement>
+</p:properties>
 </file>
 
-<file path=customXml/itemProps2.xml><?xml version="1.0" encoding="utf-8"?>
-<ds:datastoreItem xmlns:ds="http://schemas.openxmlformats.org/officeDocument/2006/customXml" ds:itemID="{1F08B90B-70ED-4539-9C14-FB2728D9064F}">
-  <ds:schemaRefs>
-    <ds:schemaRef ds:uri="http://schemas.microsoft.com/office/2006/metadata/properties"/>
-    <ds:schemaRef ds:uri="http://schemas.microsoft.com/office/infopath/2007/PartnerControls"/>
-    <ds:schemaRef ds:uri="71af3243-3dd4-4a8d-8c0d-dd76da1f02a5"/>
-  </ds:schemaRefs>
-</ds:datastoreItem>
+<file path=customXml/item3.xml><?xml version="1.0" encoding="utf-8"?>
+<?mso-contentType ?>
+<FormTemplates xmlns="http://schemas.microsoft.com/sharepoint/v3/contenttype/forms">
+  <Display>DocumentLibraryForm</Display>
+  <Edit>DocumentLibraryForm</Edit>
+  <New>DocumentLibraryForm</New>
+</FormTemplates>
 </file>
 
-<file path=customXml/itemProps3.xml><?xml version="1.0" encoding="utf-8"?>
+<file path=customXml/itemProps1.xml><?xml version="1.0" encoding="utf-8"?>
 <ds:datastoreItem xmlns:ds="http://schemas.openxmlformats.org/officeDocument/2006/customXml" ds:itemID="{9E8D3305-1D9D-4BC8-A40F-6F8AE50BD76B}">
   <ds:schemaRefs>
     <ds:schemaRef ds:uri="http://schemas.microsoft.com/office/2006/metadata/contentType"/>
@@ -10359,4 +13163,22 @@
     <ds:schemaRef ds:uri="http://schemas.microsoft.com/internal/obd"/>
   </ds:schemaRefs>
 </ds:datastoreItem>
+</file>
+
+<file path=customXml/itemProps2.xml><?xml version="1.0" encoding="utf-8"?>
+<ds:datastoreItem xmlns:ds="http://schemas.openxmlformats.org/officeDocument/2006/customXml" ds:itemID="{1F08B90B-70ED-4539-9C14-FB2728D9064F}">
+  <ds:schemaRefs>
+    <ds:schemaRef ds:uri="http://schemas.microsoft.com/office/2006/metadata/properties"/>
+    <ds:schemaRef ds:uri="http://schemas.microsoft.com/office/infopath/2007/PartnerControls"/>
+    <ds:schemaRef ds:uri="71af3243-3dd4-4a8d-8c0d-dd76da1f02a5"/>
+  </ds:schemaRefs>
+</ds:datastoreItem>
+</file>
+
+<file path=customXml/itemProps3.xml><?xml version="1.0" encoding="utf-8"?>
+<ds:datastoreItem xmlns:ds="http://schemas.openxmlformats.org/officeDocument/2006/customXml" ds:itemID="{A0D51BCB-0419-432E-B7F1-25548446A625}">
+  <ds:schemaRefs>
+    <ds:schemaRef ds:uri="http://schemas.microsoft.com/sharepoint/v3/contenttype/forms"/>
+  </ds:schemaRefs>
+</ds:datastoreItem>
 </file>